--- a/assets/class6/23-slides/2-information encoding.pptx
+++ b/assets/class6/23-slides/2-information encoding.pptx
@@ -4209,7 +4209,7 @@
           </a:ln>
           <a:extLst>
             <a:ext uri="{C572A759-6A51-4108-AA02-DFA0A04FC94B}">
-              <ma14:wrappingTextBoxFlag xmlns:ma14="http://schemas.microsoft.com/office/mac/drawingml/2011/main" xmlns:a14="http://schemas.microsoft.com/office/drawing/2010/main" xmlns:m="http://schemas.openxmlformats.org/officeDocument/2006/math" xmlns="" val="1"/>
+              <ma14:wrappingTextBoxFlag xmlns="" xmlns:m="http://schemas.openxmlformats.org/officeDocument/2006/math" xmlns:a14="http://schemas.microsoft.com/office/drawing/2010/main" xmlns:ma14="http://schemas.microsoft.com/office/mac/drawingml/2011/main" val="1"/>
             </a:ext>
           </a:extLst>
         </p:spPr>
@@ -4501,7 +4501,7 @@
           </a:ln>
           <a:extLst>
             <a:ext uri="{C572A759-6A51-4108-AA02-DFA0A04FC94B}">
-              <ma14:wrappingTextBoxFlag xmlns:ma14="http://schemas.microsoft.com/office/mac/drawingml/2011/main" xmlns:a14="http://schemas.microsoft.com/office/drawing/2010/main" xmlns:m="http://schemas.openxmlformats.org/officeDocument/2006/math" xmlns="" val="1"/>
+              <ma14:wrappingTextBoxFlag xmlns="" xmlns:m="http://schemas.openxmlformats.org/officeDocument/2006/math" xmlns:a14="http://schemas.microsoft.com/office/drawing/2010/main" xmlns:ma14="http://schemas.microsoft.com/office/mac/drawingml/2011/main" val="1"/>
             </a:ext>
           </a:extLst>
         </p:spPr>
@@ -4574,7 +4574,7 @@
           </a:ln>
           <a:extLst>
             <a:ext uri="{C572A759-6A51-4108-AA02-DFA0A04FC94B}">
-              <ma14:wrappingTextBoxFlag xmlns:ma14="http://schemas.microsoft.com/office/mac/drawingml/2011/main" xmlns:a14="http://schemas.microsoft.com/office/drawing/2010/main" xmlns:m="http://schemas.openxmlformats.org/officeDocument/2006/math" xmlns="" val="1"/>
+              <ma14:wrappingTextBoxFlag xmlns="" xmlns:m="http://schemas.openxmlformats.org/officeDocument/2006/math" xmlns:a14="http://schemas.microsoft.com/office/drawing/2010/main" xmlns:ma14="http://schemas.microsoft.com/office/mac/drawingml/2011/main" val="1"/>
             </a:ext>
           </a:extLst>
         </p:spPr>
@@ -4835,7 +4835,7 @@
           </a:ln>
           <a:extLst>
             <a:ext uri="{C572A759-6A51-4108-AA02-DFA0A04FC94B}">
-              <ma14:wrappingTextBoxFlag xmlns:ma14="http://schemas.microsoft.com/office/mac/drawingml/2011/main" xmlns:a14="http://schemas.microsoft.com/office/drawing/2010/main" xmlns:m="http://schemas.openxmlformats.org/officeDocument/2006/math" xmlns="" val="1"/>
+              <ma14:wrappingTextBoxFlag xmlns="" xmlns:m="http://schemas.openxmlformats.org/officeDocument/2006/math" xmlns:a14="http://schemas.microsoft.com/office/drawing/2010/main" xmlns:ma14="http://schemas.microsoft.com/office/mac/drawingml/2011/main" val="1"/>
             </a:ext>
           </a:extLst>
         </p:spPr>
@@ -4908,7 +4908,7 @@
           </a:ln>
           <a:extLst>
             <a:ext uri="{C572A759-6A51-4108-AA02-DFA0A04FC94B}">
-              <ma14:wrappingTextBoxFlag xmlns:ma14="http://schemas.microsoft.com/office/mac/drawingml/2011/main" xmlns:a14="http://schemas.microsoft.com/office/drawing/2010/main" xmlns:m="http://schemas.openxmlformats.org/officeDocument/2006/math" xmlns="" val="1"/>
+              <ma14:wrappingTextBoxFlag xmlns="" xmlns:m="http://schemas.openxmlformats.org/officeDocument/2006/math" xmlns:a14="http://schemas.microsoft.com/office/drawing/2010/main" xmlns:ma14="http://schemas.microsoft.com/office/mac/drawingml/2011/main" val="1"/>
             </a:ext>
           </a:extLst>
         </p:spPr>
@@ -5050,7 +5050,7 @@
           </a:ln>
           <a:extLst>
             <a:ext uri="{C572A759-6A51-4108-AA02-DFA0A04FC94B}">
-              <ma14:wrappingTextBoxFlag xmlns:ma14="http://schemas.microsoft.com/office/mac/drawingml/2011/main" xmlns:a14="http://schemas.microsoft.com/office/drawing/2010/main" xmlns:m="http://schemas.openxmlformats.org/officeDocument/2006/math" xmlns="" val="1"/>
+              <ma14:wrappingTextBoxFlag xmlns="" xmlns:m="http://schemas.openxmlformats.org/officeDocument/2006/math" xmlns:a14="http://schemas.microsoft.com/office/drawing/2010/main" xmlns:ma14="http://schemas.microsoft.com/office/mac/drawingml/2011/main" val="1"/>
             </a:ext>
           </a:extLst>
         </p:spPr>
@@ -5104,8 +5104,8 @@
           <a:chExt cx="0" cy="0"/>
         </a:xfrm>
       </p:grpSpPr>
-      <mc:AlternateContent xmlns:mc="http://schemas.openxmlformats.org/markup-compatibility/2006" xmlns:a14="http://schemas.microsoft.com/office/drawing/2010/main">
-        <mc:Choice Requires="a14">
+      <mc:AlternateContent xmlns:mc="http://schemas.openxmlformats.org/markup-compatibility/2006">
+        <mc:Choice xmlns:a14="http://schemas.microsoft.com/office/drawing/2010/main" Requires="a14">
           <p:sp>
             <p:nvSpPr>
               <p:cNvPr id="138" name="答案：B(D)…"/>
@@ -5125,7 +5125,7 @@
               </a:ln>
               <a:extLst>
                 <a:ext uri="{C572A759-6A51-4108-AA02-DFA0A04FC94B}">
-                  <ma14:wrappingTextBoxFlag xmlns:ma14="http://schemas.microsoft.com/office/mac/drawingml/2011/main" xmlns:m="http://schemas.openxmlformats.org/officeDocument/2006/math" xmlns="" val="1"/>
+                  <ma14:wrappingTextBoxFlag xmlns="" xmlns:m="http://schemas.openxmlformats.org/officeDocument/2006/math" xmlns:ma14="http://schemas.microsoft.com/office/mac/drawingml/2011/main" val="1"/>
                 </a:ext>
               </a:extLst>
             </p:spPr>
@@ -5150,7 +5150,7 @@
                   </a:defRPr>
                 </a:pPr>
                 <a:r>
-                  <a:rPr sz="3000">
+                  <a:rPr sz="3000" dirty="0" err="1">
                     <a:latin typeface="DengXian" panose="02010600030101010101" pitchFamily="2" charset="-122"/>
                     <a:ea typeface="DengXian" panose="02010600030101010101" pitchFamily="2" charset="-122"/>
                     <a:cs typeface="Calibri Light"/>
@@ -5159,7 +5159,7 @@
                   <a:t>答案：</a:t>
                 </a:r>
                 <a:r>
-                  <a:rPr sz="3000">
+                  <a:rPr sz="3000" dirty="0" err="1">
                     <a:solidFill>
                       <a:schemeClr val="accent5">
                         <a:hueOff val="-82419"/>
@@ -5172,9 +5172,25 @@
                     <a:cs typeface="Consolas"/>
                     <a:sym typeface="Consolas"/>
                   </a:rPr>
-                  <a:t>B(D)</a:t>
+                  <a:t>B</a:t>
                 </a:r>
-                <a:endParaRPr sz="3000">
+                <a:r>
+                  <a:rPr sz="3000" dirty="0">
+                    <a:solidFill>
+                      <a:schemeClr val="accent5">
+                        <a:hueOff val="-82419"/>
+                        <a:satOff val="-9513"/>
+                        <a:lumOff val="-16343"/>
+                      </a:schemeClr>
+                    </a:solidFill>
+                    <a:latin typeface="DengXian" panose="02010600030101010101" pitchFamily="2" charset="-122"/>
+                    <a:ea typeface="DengXian" panose="02010600030101010101" pitchFamily="2" charset="-122"/>
+                    <a:cs typeface="Consolas"/>
+                    <a:sym typeface="Consolas"/>
+                  </a:rPr>
+                  <a:t>(D)</a:t>
+                </a:r>
+                <a:endParaRPr sz="3000" dirty="0">
                   <a:solidFill>
                     <a:schemeClr val="accent5">
                       <a:hueOff val="-82419"/>
@@ -5204,14 +5220,14 @@
                   </a:defRPr>
                 </a:pPr>
                 <a:r>
-                  <a:rPr sz="3000">
+                  <a:rPr sz="3000" dirty="0">
                     <a:latin typeface="DengXian" panose="02010600030101010101" pitchFamily="2" charset="-122"/>
                     <a:ea typeface="DengXian" panose="02010600030101010101" pitchFamily="2" charset="-122"/>
                   </a:rPr>
                   <a:t>A. </a:t>
                 </a:r>
                 <a:r>
-                  <a:rPr sz="3000">
+                  <a:rPr sz="3000" dirty="0">
                     <a:latin typeface="Consolas" panose="020B0609020204030204" pitchFamily="49" charset="0"/>
                     <a:ea typeface="DengXian" panose="02010600030101010101" pitchFamily="2" charset="-122"/>
                     <a:cs typeface="Consolas" panose="020B0609020204030204" pitchFamily="49" charset="0"/>
@@ -5235,7 +5251,7 @@
                   </a:defRPr>
                 </a:pPr>
                 <a:r>
-                  <a:rPr sz="3000">
+                  <a:rPr sz="3000" dirty="0">
                     <a:latin typeface="DengXian" panose="02010600030101010101" pitchFamily="2" charset="-122"/>
                     <a:ea typeface="DengXian" panose="02010600030101010101" pitchFamily="2" charset="-122"/>
                     <a:cs typeface="Consolas"/>
@@ -5244,14 +5260,21 @@
                   <a:t>B. </a:t>
                 </a:r>
                 <a:r>
-                  <a:rPr sz="3000">
+                  <a:rPr sz="3000" dirty="0" err="1">
                     <a:latin typeface="DengXian" panose="02010600030101010101" pitchFamily="2" charset="-122"/>
                     <a:ea typeface="DengXian" panose="02010600030101010101" pitchFamily="2" charset="-122"/>
                   </a:rPr>
-                  <a:t>两边都是 </a:t>
+                  <a:t>两边都是</a:t>
                 </a:r>
                 <a:r>
-                  <a:rPr sz="3000">
+                  <a:rPr sz="3000" dirty="0">
+                    <a:latin typeface="DengXian" panose="02010600030101010101" pitchFamily="2" charset="-122"/>
+                    <a:ea typeface="DengXian" panose="02010600030101010101" pitchFamily="2" charset="-122"/>
+                  </a:rPr>
+                  <a:t> </a:t>
+                </a:r>
+                <a:r>
+                  <a:rPr sz="3000" dirty="0">
                     <a:latin typeface="Consolas" panose="020B0609020204030204" pitchFamily="49" charset="0"/>
                     <a:ea typeface="DengXian" panose="02010600030101010101" pitchFamily="2" charset="-122"/>
                     <a:cs typeface="Consolas" panose="020B0609020204030204" pitchFamily="49" charset="0"/>
@@ -5260,14 +5283,28 @@
                   <a:t>int</a:t>
                 </a:r>
                 <a:r>
-                  <a:rPr sz="3000">
+                  <a:rPr sz="3000" dirty="0">
                     <a:latin typeface="DengXian" panose="02010600030101010101" pitchFamily="2" charset="-122"/>
                     <a:ea typeface="DengXian" panose="02010600030101010101" pitchFamily="2" charset="-122"/>
                   </a:rPr>
-                  <a:t>, 右边 </a:t>
+                  <a:t>, </a:t>
                 </a:r>
                 <a:r>
-                  <a:rPr sz="3000">
+                  <a:rPr sz="3000" dirty="0" err="1">
+                    <a:latin typeface="DengXian" panose="02010600030101010101" pitchFamily="2" charset="-122"/>
+                    <a:ea typeface="DengXian" panose="02010600030101010101" pitchFamily="2" charset="-122"/>
+                  </a:rPr>
+                  <a:t>右边</a:t>
+                </a:r>
+                <a:r>
+                  <a:rPr sz="3000" dirty="0">
+                    <a:latin typeface="DengXian" panose="02010600030101010101" pitchFamily="2" charset="-122"/>
+                    <a:ea typeface="DengXian" panose="02010600030101010101" pitchFamily="2" charset="-122"/>
+                  </a:rPr>
+                  <a:t> </a:t>
+                </a:r>
+                <a:r>
+                  <a:rPr sz="3000" dirty="0">
                     <a:latin typeface="Consolas" panose="020B0609020204030204" pitchFamily="49" charset="0"/>
                     <a:ea typeface="DengXian" panose="02010600030101010101" pitchFamily="2" charset="-122"/>
                     <a:cs typeface="Consolas" panose="020B0609020204030204" pitchFamily="49" charset="0"/>
@@ -5276,7 +5313,7 @@
                   <a:t>==</a:t>
                 </a:r>
                 <a:r>
-                  <a:rPr sz="3000">
+                  <a:rPr sz="3000" dirty="0">
                     <a:latin typeface="DengXian" panose="02010600030101010101" pitchFamily="2" charset="-122"/>
                     <a:ea typeface="DengXian" panose="02010600030101010101" pitchFamily="2" charset="-122"/>
                   </a:rPr>
@@ -5320,7 +5357,7 @@
                     </m:sSub>
                   </m:oMath>
                 </a14:m>
-                <a:endParaRPr sz="3000">
+                <a:endParaRPr sz="3000" dirty="0">
                   <a:latin typeface="DengXian" panose="02010600030101010101" pitchFamily="2" charset="-122"/>
                   <a:ea typeface="DengXian" panose="02010600030101010101" pitchFamily="2" charset="-122"/>
                 </a:endParaRPr>
@@ -5341,7 +5378,7 @@
                   </a:defRPr>
                 </a:pPr>
                 <a:r>
-                  <a:rPr sz="3000">
+                  <a:rPr sz="3000" dirty="0">
                     <a:latin typeface="DengXian" panose="02010600030101010101" pitchFamily="2" charset="-122"/>
                     <a:ea typeface="DengXian" panose="02010600030101010101" pitchFamily="2" charset="-122"/>
                     <a:cs typeface="Consolas"/>
@@ -5350,7 +5387,7 @@
                   <a:t>C. </a:t>
                 </a:r>
                 <a:r>
-                  <a:rPr sz="3000">
+                  <a:rPr sz="3000" dirty="0">
                     <a:latin typeface="DengXian" panose="02010600030101010101" pitchFamily="2" charset="-122"/>
                     <a:ea typeface="DengXian" panose="02010600030101010101" pitchFamily="2" charset="-122"/>
                   </a:rPr>
@@ -5373,7 +5410,7 @@
                   </a:defRPr>
                 </a:pPr>
                 <a:r>
-                  <a:rPr sz="3000">
+                  <a:rPr sz="3000" dirty="0">
                     <a:latin typeface="DengXian" panose="02010600030101010101" pitchFamily="2" charset="-122"/>
                     <a:ea typeface="DengXian" panose="02010600030101010101" pitchFamily="2" charset="-122"/>
                     <a:cs typeface="Consolas"/>
@@ -5382,16 +5419,16 @@
                   <a:t>D.</a:t>
                 </a:r>
                 <a:r>
-                  <a:rPr lang="zh-CN" altLang="en-US" sz="3000">
+                  <a:rPr lang="zh-CN" altLang="en-US" sz="3000" dirty="0">
                     <a:latin typeface="DengXian" panose="02010600030101010101" pitchFamily="2" charset="-122"/>
                     <a:ea typeface="DengXian" panose="02010600030101010101" pitchFamily="2" charset="-122"/>
                     <a:cs typeface="Consolas"/>
                     <a:sym typeface="Consolas"/>
                   </a:rPr>
-                  <a:t> 见后 </a:t>
+                  <a:t> </a:t>
                 </a:r>
                 <a:r>
-                  <a:rPr lang="en-US" altLang="zh-CN" sz="3000">
+                  <a:rPr lang="en-US" altLang="zh-CN" sz="3000" dirty="0">
                     <a:latin typeface="DengXian" panose="02010600030101010101" pitchFamily="2" charset="-122"/>
                     <a:ea typeface="DengXian" panose="02010600030101010101" pitchFamily="2" charset="-122"/>
                     <a:cs typeface="Consolas"/>
@@ -5399,16 +5436,7 @@
                   </a:rPr>
                   <a:t>integer promotion </a:t>
                 </a:r>
-                <a:r>
-                  <a:rPr lang="zh-CN" altLang="en-US" sz="3000">
-                    <a:latin typeface="DengXian" panose="02010600030101010101" pitchFamily="2" charset="-122"/>
-                    <a:ea typeface="DengXian" panose="02010600030101010101" pitchFamily="2" charset="-122"/>
-                    <a:cs typeface="Consolas"/>
-                    <a:sym typeface="Consolas"/>
-                  </a:rPr>
-                  <a:t>部分</a:t>
-                </a:r>
-                <a:endParaRPr sz="3000">
+                <a:endParaRPr sz="3000" dirty="0">
                   <a:latin typeface="DengXian" panose="02010600030101010101" pitchFamily="2" charset="-122"/>
                   <a:ea typeface="DengXian" panose="02010600030101010101" pitchFamily="2" charset="-122"/>
                   <a:cs typeface="Consolas"/>
@@ -5438,7 +5466,7 @@
                   </a:defRPr>
                 </a:pPr>
                 <a:r>
-                  <a:rPr sz="3000">
+                  <a:rPr sz="3000" dirty="0">
                     <a:latin typeface="DengXian" panose="02010600030101010101" pitchFamily="2" charset="-122"/>
                     <a:ea typeface="DengXian" panose="02010600030101010101" pitchFamily="2" charset="-122"/>
                     <a:cs typeface="Consolas"/>
@@ -5447,14 +5475,14 @@
                   <a:t>32</a:t>
                 </a:r>
                 <a:r>
-                  <a:rPr sz="3000">
+                  <a:rPr sz="3000" dirty="0">
                     <a:latin typeface="DengXian" panose="02010600030101010101" pitchFamily="2" charset="-122"/>
                     <a:ea typeface="DengXian" panose="02010600030101010101" pitchFamily="2" charset="-122"/>
                   </a:rPr>
                   <a:t> 位 </a:t>
                 </a:r>
                 <a:r>
-                  <a:rPr sz="3000">
+                  <a:rPr sz="3000" dirty="0">
                     <a:latin typeface="DengXian" panose="02010600030101010101" pitchFamily="2" charset="-122"/>
                     <a:ea typeface="DengXian" panose="02010600030101010101" pitchFamily="2" charset="-122"/>
                     <a:cs typeface="Consolas"/>
@@ -5463,14 +5491,28 @@
                   <a:t>C90</a:t>
                 </a:r>
                 <a:r>
-                  <a:rPr sz="3000">
+                  <a:rPr sz="3000" dirty="0">
                     <a:latin typeface="DengXian" panose="02010600030101010101" pitchFamily="2" charset="-122"/>
                     <a:ea typeface="DengXian" panose="02010600030101010101" pitchFamily="2" charset="-122"/>
                   </a:rPr>
-                  <a:t> 机器会将右侧识别为 </a:t>
+                  <a:t> </a:t>
                 </a:r>
                 <a:r>
-                  <a:rPr sz="3000">
+                  <a:rPr sz="3000" dirty="0" err="1">
+                    <a:latin typeface="DengXian" panose="02010600030101010101" pitchFamily="2" charset="-122"/>
+                    <a:ea typeface="DengXian" panose="02010600030101010101" pitchFamily="2" charset="-122"/>
+                  </a:rPr>
+                  <a:t>机器会将右侧识别为</a:t>
+                </a:r>
+                <a:r>
+                  <a:rPr sz="3000" dirty="0">
+                    <a:latin typeface="DengXian" panose="02010600030101010101" pitchFamily="2" charset="-122"/>
+                    <a:ea typeface="DengXian" panose="02010600030101010101" pitchFamily="2" charset="-122"/>
+                  </a:rPr>
+                  <a:t> </a:t>
+                </a:r>
+                <a:r>
+                  <a:rPr sz="3000" dirty="0">
                     <a:latin typeface="Consolas" panose="020B0609020204030204" pitchFamily="49" charset="0"/>
                     <a:ea typeface="DengXian" panose="02010600030101010101" pitchFamily="2" charset="-122"/>
                     <a:cs typeface="Consolas" panose="020B0609020204030204" pitchFamily="49" charset="0"/>
@@ -5479,14 +5521,28 @@
                   <a:t>unsigned</a:t>
                 </a:r>
                 <a:r>
-                  <a:rPr sz="3000">
+                  <a:rPr sz="3000" dirty="0">
                     <a:latin typeface="DengXian" panose="02010600030101010101" pitchFamily="2" charset="-122"/>
                     <a:ea typeface="DengXian" panose="02010600030101010101" pitchFamily="2" charset="-122"/>
                   </a:rPr>
-                  <a:t>, 所以左右相等，不能选 </a:t>
+                  <a:t>, </a:t>
                 </a:r>
                 <a:r>
-                  <a:rPr sz="3000">
+                  <a:rPr sz="3000" dirty="0" err="1">
+                    <a:latin typeface="DengXian" panose="02010600030101010101" pitchFamily="2" charset="-122"/>
+                    <a:ea typeface="DengXian" panose="02010600030101010101" pitchFamily="2" charset="-122"/>
+                  </a:rPr>
+                  <a:t>所以左右相等，不能选</a:t>
+                </a:r>
+                <a:r>
+                  <a:rPr sz="3000" dirty="0">
+                    <a:latin typeface="DengXian" panose="02010600030101010101" pitchFamily="2" charset="-122"/>
+                    <a:ea typeface="DengXian" panose="02010600030101010101" pitchFamily="2" charset="-122"/>
+                  </a:rPr>
+                  <a:t> </a:t>
+                </a:r>
+                <a:r>
+                  <a:rPr sz="3000" dirty="0">
                     <a:latin typeface="DengXian" panose="02010600030101010101" pitchFamily="2" charset="-122"/>
                     <a:ea typeface="DengXian" panose="02010600030101010101" pitchFamily="2" charset="-122"/>
                     <a:cs typeface="Consolas"/>
@@ -5518,7 +5574,7 @@
                   </a:defRPr>
                 </a:pPr>
                 <a:r>
-                  <a:rPr sz="3000">
+                  <a:rPr sz="3000" dirty="0">
                     <a:latin typeface="DengXian" panose="02010600030101010101" pitchFamily="2" charset="-122"/>
                     <a:ea typeface="DengXian" panose="02010600030101010101" pitchFamily="2" charset="-122"/>
                     <a:cs typeface="Consolas"/>
@@ -5527,14 +5583,14 @@
                   <a:t>64</a:t>
                 </a:r>
                 <a:r>
-                  <a:rPr sz="3000">
+                  <a:rPr sz="3000" dirty="0">
                     <a:latin typeface="DengXian" panose="02010600030101010101" pitchFamily="2" charset="-122"/>
                     <a:ea typeface="DengXian" panose="02010600030101010101" pitchFamily="2" charset="-122"/>
                   </a:rPr>
                   <a:t> 位 </a:t>
                 </a:r>
                 <a:r>
-                  <a:rPr sz="3000">
+                  <a:rPr sz="3000" dirty="0">
                     <a:latin typeface="DengXian" panose="02010600030101010101" pitchFamily="2" charset="-122"/>
                     <a:ea typeface="DengXian" panose="02010600030101010101" pitchFamily="2" charset="-122"/>
                     <a:cs typeface="Consolas"/>
@@ -5543,14 +5599,28 @@
                   <a:t>C99</a:t>
                 </a:r>
                 <a:r>
-                  <a:rPr sz="3000">
+                  <a:rPr sz="3000" dirty="0">
                     <a:latin typeface="DengXian" panose="02010600030101010101" pitchFamily="2" charset="-122"/>
                     <a:ea typeface="DengXian" panose="02010600030101010101" pitchFamily="2" charset="-122"/>
                   </a:rPr>
-                  <a:t> 以上机器将右侧识别为 </a:t>
+                  <a:t> </a:t>
                 </a:r>
                 <a:r>
-                  <a:rPr sz="3000">
+                  <a:rPr sz="3000" dirty="0" err="1">
+                    <a:latin typeface="DengXian" panose="02010600030101010101" pitchFamily="2" charset="-122"/>
+                    <a:ea typeface="DengXian" panose="02010600030101010101" pitchFamily="2" charset="-122"/>
+                  </a:rPr>
+                  <a:t>以上机器将右侧识别为</a:t>
+                </a:r>
+                <a:r>
+                  <a:rPr sz="3000" dirty="0">
+                    <a:latin typeface="DengXian" panose="02010600030101010101" pitchFamily="2" charset="-122"/>
+                    <a:ea typeface="DengXian" panose="02010600030101010101" pitchFamily="2" charset="-122"/>
+                  </a:rPr>
+                  <a:t> </a:t>
+                </a:r>
+                <a:r>
+                  <a:rPr sz="3000" dirty="0">
                     <a:latin typeface="Consolas" panose="020B0609020204030204" pitchFamily="49" charset="0"/>
                     <a:ea typeface="DengXian" panose="02010600030101010101" pitchFamily="2" charset="-122"/>
                     <a:cs typeface="Consolas" panose="020B0609020204030204" pitchFamily="49" charset="0"/>
@@ -5559,12 +5629,23 @@
                   <a:t>long</a:t>
                 </a:r>
                 <a:r>
-                  <a:rPr sz="3000">
+                  <a:rPr sz="3000" dirty="0">
                     <a:latin typeface="DengXian" panose="02010600030101010101" pitchFamily="2" charset="-122"/>
                     <a:ea typeface="DengXian" panose="02010600030101010101" pitchFamily="2" charset="-122"/>
                   </a:rPr>
-                  <a:t>, 所以左右不相等（左边会</a:t>
+                  <a:t>, </a:t>
                 </a:r>
+                <a:r>
+                  <a:rPr sz="3000" dirty="0" err="1">
+                    <a:latin typeface="DengXian" panose="02010600030101010101" pitchFamily="2" charset="-122"/>
+                    <a:ea typeface="DengXian" panose="02010600030101010101" pitchFamily="2" charset="-122"/>
+                  </a:rPr>
+                  <a:t>所以左右不相等（左边会</a:t>
+                </a:r>
+                <a:endParaRPr sz="3000" dirty="0">
+                  <a:latin typeface="DengXian" panose="02010600030101010101" pitchFamily="2" charset="-122"/>
+                  <a:ea typeface="DengXian" panose="02010600030101010101" pitchFamily="2" charset="-122"/>
+                </a:endParaRPr>
               </a:p>
               <a:p>
                 <a:pPr algn="just" defTabSz="457200">
@@ -5589,14 +5670,21 @@
                   </a:defRPr>
                 </a:pPr>
                 <a:r>
-                  <a:rPr sz="3000">
+                  <a:rPr sz="3000" dirty="0" err="1">
                     <a:latin typeface="DengXian" panose="02010600030101010101" pitchFamily="2" charset="-122"/>
                     <a:ea typeface="DengXian" panose="02010600030101010101" pitchFamily="2" charset="-122"/>
                   </a:rPr>
-                  <a:t>先溢出为 </a:t>
+                  <a:t>先溢出为</a:t>
                 </a:r>
                 <a:r>
-                  <a:rPr sz="3000">
+                  <a:rPr sz="3000" dirty="0">
+                    <a:latin typeface="DengXian" panose="02010600030101010101" pitchFamily="2" charset="-122"/>
+                    <a:ea typeface="DengXian" panose="02010600030101010101" pitchFamily="2" charset="-122"/>
+                  </a:rPr>
+                  <a:t> </a:t>
+                </a:r>
+                <a:r>
+                  <a:rPr sz="3000" dirty="0">
                     <a:latin typeface="Consolas" panose="020B0609020204030204" pitchFamily="49" charset="0"/>
                     <a:ea typeface="DengXian" panose="02010600030101010101" pitchFamily="2" charset="-122"/>
                     <a:cs typeface="Consolas" panose="020B0609020204030204" pitchFamily="49" charset="0"/>
@@ -5605,7 +5693,7 @@
                   <a:t>-0x80000000</a:t>
                 </a:r>
                 <a:r>
-                  <a:rPr sz="3000">
+                  <a:rPr sz="3000" dirty="0">
                     <a:latin typeface="Consolas" panose="020B0609020204030204" pitchFamily="49" charset="0"/>
                     <a:ea typeface="DengXian" panose="02010600030101010101" pitchFamily="2" charset="-122"/>
                     <a:cs typeface="Consolas" panose="020B0609020204030204" pitchFamily="49" charset="0"/>
@@ -5613,14 +5701,21 @@
                   <a:t> </a:t>
                 </a:r>
                 <a:r>
-                  <a:rPr sz="3000">
+                  <a:rPr sz="3000" dirty="0" err="1">
                     <a:latin typeface="DengXian" panose="02010600030101010101" pitchFamily="2" charset="-122"/>
                     <a:ea typeface="DengXian" panose="02010600030101010101" pitchFamily="2" charset="-122"/>
                   </a:rPr>
-                  <a:t>再转成 </a:t>
+                  <a:t>再转成</a:t>
                 </a:r>
                 <a:r>
-                  <a:rPr sz="3000">
+                  <a:rPr sz="3000" dirty="0">
+                    <a:latin typeface="DengXian" panose="02010600030101010101" pitchFamily="2" charset="-122"/>
+                    <a:ea typeface="DengXian" panose="02010600030101010101" pitchFamily="2" charset="-122"/>
+                  </a:rPr>
+                  <a:t> </a:t>
+                </a:r>
+                <a:r>
+                  <a:rPr sz="3000" dirty="0">
                     <a:latin typeface="Consolas" panose="020B0609020204030204" pitchFamily="49" charset="0"/>
                     <a:ea typeface="DengXian" panose="02010600030101010101" pitchFamily="2" charset="-122"/>
                     <a:cs typeface="Consolas" panose="020B0609020204030204" pitchFamily="49" charset="0"/>
@@ -5629,14 +5724,28 @@
                   <a:t>long</a:t>
                 </a:r>
                 <a:r>
-                  <a:rPr sz="3000">
+                  <a:rPr sz="3000" dirty="0">
                     <a:latin typeface="DengXian" panose="02010600030101010101" pitchFamily="2" charset="-122"/>
                     <a:ea typeface="DengXian" panose="02010600030101010101" pitchFamily="2" charset="-122"/>
                   </a:rPr>
-                  <a:t>），可以选 </a:t>
+                  <a:t>），</a:t>
                 </a:r>
                 <a:r>
-                  <a:rPr sz="3000">
+                  <a:rPr sz="3000" dirty="0" err="1">
+                    <a:latin typeface="DengXian" panose="02010600030101010101" pitchFamily="2" charset="-122"/>
+                    <a:ea typeface="DengXian" panose="02010600030101010101" pitchFamily="2" charset="-122"/>
+                  </a:rPr>
+                  <a:t>可以选</a:t>
+                </a:r>
+                <a:r>
+                  <a:rPr sz="3000" dirty="0">
+                    <a:latin typeface="DengXian" panose="02010600030101010101" pitchFamily="2" charset="-122"/>
+                    <a:ea typeface="DengXian" panose="02010600030101010101" pitchFamily="2" charset="-122"/>
+                  </a:rPr>
+                  <a:t> </a:t>
+                </a:r>
+                <a:r>
+                  <a:rPr sz="3000" dirty="0">
                     <a:latin typeface="DengXian" panose="02010600030101010101" pitchFamily="2" charset="-122"/>
                     <a:ea typeface="DengXian" panose="02010600030101010101" pitchFamily="2" charset="-122"/>
                     <a:cs typeface="Consolas"/>
@@ -5648,7 +5757,7 @@
             </p:txBody>
           </p:sp>
         </mc:Choice>
-        <mc:Fallback xmlns="">
+        <mc:Fallback>
           <p:sp>
             <p:nvSpPr>
               <p:cNvPr id="138" name="答案：B(D)…"/>
@@ -5676,7 +5785,7 @@
               </a:ln>
               <a:extLst>
                 <a:ext uri="{C572A759-6A51-4108-AA02-DFA0A04FC94B}">
-                  <ma14:wrappingTextBoxFlag xmlns:ma14="http://schemas.microsoft.com/office/mac/drawingml/2011/main" xmlns:m="http://schemas.openxmlformats.org/officeDocument/2006/math" xmlns="" xmlns:a14="http://schemas.microsoft.com/office/drawing/2010/main" val="1"/>
+                  <ma14:wrappingTextBoxFlag xmlns="" xmlns:m="http://schemas.openxmlformats.org/officeDocument/2006/math" xmlns:ma14="http://schemas.microsoft.com/office/mac/drawingml/2011/main" xmlns:a14="http://schemas.microsoft.com/office/drawing/2010/main" val="1"/>
                 </a:ext>
               </a:extLst>
             </p:spPr>
@@ -5714,7 +5823,7 @@
           </a:ln>
           <a:extLst>
             <a:ext uri="{C572A759-6A51-4108-AA02-DFA0A04FC94B}">
-              <ma14:wrappingTextBoxFlag xmlns:ma14="http://schemas.microsoft.com/office/mac/drawingml/2011/main" xmlns:a14="http://schemas.microsoft.com/office/drawing/2010/main" xmlns:m="http://schemas.openxmlformats.org/officeDocument/2006/math" xmlns="" val="1"/>
+              <ma14:wrappingTextBoxFlag xmlns="" xmlns:m="http://schemas.openxmlformats.org/officeDocument/2006/math" xmlns:a14="http://schemas.microsoft.com/office/drawing/2010/main" xmlns:ma14="http://schemas.microsoft.com/office/mac/drawingml/2011/main" val="1"/>
             </a:ext>
           </a:extLst>
         </p:spPr>
@@ -5787,7 +5896,7 @@
           </a:ln>
           <a:extLst>
             <a:ext uri="{C572A759-6A51-4108-AA02-DFA0A04FC94B}">
-              <ma14:wrappingTextBoxFlag xmlns:ma14="http://schemas.microsoft.com/office/mac/drawingml/2011/main" xmlns:a14="http://schemas.microsoft.com/office/drawing/2010/main" xmlns:m="http://schemas.openxmlformats.org/officeDocument/2006/math" xmlns="" val="1"/>
+              <ma14:wrappingTextBoxFlag xmlns="" xmlns:m="http://schemas.openxmlformats.org/officeDocument/2006/math" xmlns:a14="http://schemas.microsoft.com/office/drawing/2010/main" xmlns:ma14="http://schemas.microsoft.com/office/mac/drawingml/2011/main" val="1"/>
             </a:ext>
           </a:extLst>
         </p:spPr>
@@ -5959,7 +6068,7 @@
           </a:ln>
           <a:extLst>
             <a:ext uri="{C572A759-6A51-4108-AA02-DFA0A04FC94B}">
-              <ma14:wrappingTextBoxFlag xmlns:ma14="http://schemas.microsoft.com/office/mac/drawingml/2011/main" xmlns:a14="http://schemas.microsoft.com/office/drawing/2010/main" xmlns:m="http://schemas.openxmlformats.org/officeDocument/2006/math" xmlns="" val="1"/>
+              <ma14:wrappingTextBoxFlag xmlns="" xmlns:m="http://schemas.openxmlformats.org/officeDocument/2006/math" xmlns:a14="http://schemas.microsoft.com/office/drawing/2010/main" xmlns:ma14="http://schemas.microsoft.com/office/mac/drawingml/2011/main" val="1"/>
             </a:ext>
           </a:extLst>
         </p:spPr>
@@ -6007,7 +6116,7 @@
           </a:ln>
           <a:extLst>
             <a:ext uri="{C572A759-6A51-4108-AA02-DFA0A04FC94B}">
-              <ma14:wrappingTextBoxFlag xmlns:ma14="http://schemas.microsoft.com/office/mac/drawingml/2011/main" xmlns:a14="http://schemas.microsoft.com/office/drawing/2010/main" xmlns:m="http://schemas.openxmlformats.org/officeDocument/2006/math" xmlns="" val="1"/>
+              <ma14:wrappingTextBoxFlag xmlns="" xmlns:m="http://schemas.openxmlformats.org/officeDocument/2006/math" xmlns:a14="http://schemas.microsoft.com/office/drawing/2010/main" xmlns:ma14="http://schemas.microsoft.com/office/mac/drawingml/2011/main" val="1"/>
             </a:ext>
           </a:extLst>
         </p:spPr>
@@ -6174,7 +6283,7 @@
           </a:ln>
           <a:extLst>
             <a:ext uri="{C572A759-6A51-4108-AA02-DFA0A04FC94B}">
-              <ma14:wrappingTextBoxFlag xmlns:ma14="http://schemas.microsoft.com/office/mac/drawingml/2011/main" xmlns:a14="http://schemas.microsoft.com/office/drawing/2010/main" xmlns:m="http://schemas.openxmlformats.org/officeDocument/2006/math" xmlns="" val="1"/>
+              <ma14:wrappingTextBoxFlag xmlns="" xmlns:m="http://schemas.openxmlformats.org/officeDocument/2006/math" xmlns:a14="http://schemas.microsoft.com/office/drawing/2010/main" xmlns:ma14="http://schemas.microsoft.com/office/mac/drawingml/2011/main" val="1"/>
             </a:ext>
           </a:extLst>
         </p:spPr>
@@ -6222,7 +6331,7 @@
           </a:ln>
           <a:extLst>
             <a:ext uri="{C572A759-6A51-4108-AA02-DFA0A04FC94B}">
-              <ma14:wrappingTextBoxFlag xmlns:ma14="http://schemas.microsoft.com/office/mac/drawingml/2011/main" xmlns:a14="http://schemas.microsoft.com/office/drawing/2010/main" xmlns:m="http://schemas.openxmlformats.org/officeDocument/2006/math" xmlns="" val="1"/>
+              <ma14:wrappingTextBoxFlag xmlns="" xmlns:m="http://schemas.openxmlformats.org/officeDocument/2006/math" xmlns:a14="http://schemas.microsoft.com/office/drawing/2010/main" xmlns:ma14="http://schemas.microsoft.com/office/mac/drawingml/2011/main" val="1"/>
             </a:ext>
           </a:extLst>
         </p:spPr>
@@ -6618,7 +6727,7 @@
           </a:ln>
           <a:extLst>
             <a:ext uri="{C572A759-6A51-4108-AA02-DFA0A04FC94B}">
-              <ma14:wrappingTextBoxFlag xmlns:ma14="http://schemas.microsoft.com/office/mac/drawingml/2011/main" xmlns:a14="http://schemas.microsoft.com/office/drawing/2010/main" xmlns:m="http://schemas.openxmlformats.org/officeDocument/2006/math" xmlns="" val="1"/>
+              <ma14:wrappingTextBoxFlag xmlns="" xmlns:m="http://schemas.openxmlformats.org/officeDocument/2006/math" xmlns:a14="http://schemas.microsoft.com/office/drawing/2010/main" xmlns:ma14="http://schemas.microsoft.com/office/mac/drawingml/2011/main" val="1"/>
             </a:ext>
           </a:extLst>
         </p:spPr>
@@ -6785,7 +6894,7 @@
           </a:ln>
           <a:extLst>
             <a:ext uri="{C572A759-6A51-4108-AA02-DFA0A04FC94B}">
-              <ma14:wrappingTextBoxFlag xmlns:ma14="http://schemas.microsoft.com/office/mac/drawingml/2011/main" xmlns:a14="http://schemas.microsoft.com/office/drawing/2010/main" xmlns:m="http://schemas.openxmlformats.org/officeDocument/2006/math" xmlns="" val="1"/>
+              <ma14:wrappingTextBoxFlag xmlns="" xmlns:m="http://schemas.openxmlformats.org/officeDocument/2006/math" xmlns:a14="http://schemas.microsoft.com/office/drawing/2010/main" xmlns:ma14="http://schemas.microsoft.com/office/mac/drawingml/2011/main" val="1"/>
             </a:ext>
           </a:extLst>
         </p:spPr>
@@ -6858,7 +6967,7 @@
           </a:ln>
           <a:extLst>
             <a:ext uri="{C572A759-6A51-4108-AA02-DFA0A04FC94B}">
-              <ma14:wrappingTextBoxFlag xmlns:ma14="http://schemas.microsoft.com/office/mac/drawingml/2011/main" xmlns:a14="http://schemas.microsoft.com/office/drawing/2010/main" xmlns:m="http://schemas.openxmlformats.org/officeDocument/2006/math" xmlns="" val="1"/>
+              <ma14:wrappingTextBoxFlag xmlns="" xmlns:m="http://schemas.openxmlformats.org/officeDocument/2006/math" xmlns:a14="http://schemas.microsoft.com/office/drawing/2010/main" xmlns:ma14="http://schemas.microsoft.com/office/mac/drawingml/2011/main" val="1"/>
             </a:ext>
           </a:extLst>
         </p:spPr>
@@ -7220,7 +7329,7 @@
           </a:ln>
           <a:extLst>
             <a:ext uri="{C572A759-6A51-4108-AA02-DFA0A04FC94B}">
-              <ma14:wrappingTextBoxFlag xmlns:ma14="http://schemas.microsoft.com/office/mac/drawingml/2011/main" xmlns:a14="http://schemas.microsoft.com/office/drawing/2010/main" xmlns:m="http://schemas.openxmlformats.org/officeDocument/2006/math" xmlns="" val="1"/>
+              <ma14:wrappingTextBoxFlag xmlns="" xmlns:m="http://schemas.openxmlformats.org/officeDocument/2006/math" xmlns:a14="http://schemas.microsoft.com/office/drawing/2010/main" xmlns:ma14="http://schemas.microsoft.com/office/mac/drawingml/2011/main" val="1"/>
             </a:ext>
           </a:extLst>
         </p:spPr>
@@ -7294,7 +7403,7 @@
           </a:ln>
           <a:extLst>
             <a:ext uri="{C572A759-6A51-4108-AA02-DFA0A04FC94B}">
-              <ma14:wrappingTextBoxFlag xmlns:ma14="http://schemas.microsoft.com/office/mac/drawingml/2011/main" xmlns:a14="http://schemas.microsoft.com/office/drawing/2010/main" xmlns:m="http://schemas.openxmlformats.org/officeDocument/2006/math" xmlns="" val="1"/>
+              <ma14:wrappingTextBoxFlag xmlns="" xmlns:m="http://schemas.openxmlformats.org/officeDocument/2006/math" xmlns:a14="http://schemas.microsoft.com/office/drawing/2010/main" xmlns:ma14="http://schemas.microsoft.com/office/mac/drawingml/2011/main" val="1"/>
             </a:ext>
           </a:extLst>
         </p:spPr>
@@ -7394,7 +7503,7 @@
           </a:ln>
           <a:extLst>
             <a:ext uri="{C572A759-6A51-4108-AA02-DFA0A04FC94B}">
-              <ma14:wrappingTextBoxFlag xmlns:ma14="http://schemas.microsoft.com/office/mac/drawingml/2011/main" xmlns:a14="http://schemas.microsoft.com/office/drawing/2010/main" xmlns:m="http://schemas.openxmlformats.org/officeDocument/2006/math" xmlns="" val="1"/>
+              <ma14:wrappingTextBoxFlag xmlns="" xmlns:m="http://schemas.openxmlformats.org/officeDocument/2006/math" xmlns:a14="http://schemas.microsoft.com/office/drawing/2010/main" xmlns:ma14="http://schemas.microsoft.com/office/mac/drawingml/2011/main" val="1"/>
             </a:ext>
           </a:extLst>
         </p:spPr>
@@ -7571,7 +7680,7 @@
           </a:ln>
           <a:extLst>
             <a:ext uri="{C572A759-6A51-4108-AA02-DFA0A04FC94B}">
-              <ma14:wrappingTextBoxFlag xmlns:ma14="http://schemas.microsoft.com/office/mac/drawingml/2011/main" xmlns:a14="http://schemas.microsoft.com/office/drawing/2010/main" xmlns:m="http://schemas.openxmlformats.org/officeDocument/2006/math" xmlns="" val="1"/>
+              <ma14:wrappingTextBoxFlag xmlns="" xmlns:m="http://schemas.openxmlformats.org/officeDocument/2006/math" xmlns:a14="http://schemas.microsoft.com/office/drawing/2010/main" xmlns:ma14="http://schemas.microsoft.com/office/mac/drawingml/2011/main" val="1"/>
             </a:ext>
           </a:extLst>
         </p:spPr>
@@ -7814,7 +7923,7 @@
           </a:ln>
           <a:extLst>
             <a:ext uri="{C572A759-6A51-4108-AA02-DFA0A04FC94B}">
-              <ma14:wrappingTextBoxFlag xmlns:ma14="http://schemas.microsoft.com/office/mac/drawingml/2011/main" xmlns:a14="http://schemas.microsoft.com/office/drawing/2010/main" xmlns:m="http://schemas.openxmlformats.org/officeDocument/2006/math" xmlns="" val="1"/>
+              <ma14:wrappingTextBoxFlag xmlns="" xmlns:m="http://schemas.openxmlformats.org/officeDocument/2006/math" xmlns:a14="http://schemas.microsoft.com/office/drawing/2010/main" xmlns:ma14="http://schemas.microsoft.com/office/mac/drawingml/2011/main" val="1"/>
             </a:ext>
           </a:extLst>
         </p:spPr>
@@ -7967,7 +8076,7 @@
           </a:ln>
           <a:extLst>
             <a:ext uri="{C572A759-6A51-4108-AA02-DFA0A04FC94B}">
-              <ma14:wrappingTextBoxFlag xmlns:ma14="http://schemas.microsoft.com/office/mac/drawingml/2011/main" xmlns:a14="http://schemas.microsoft.com/office/drawing/2010/main" xmlns:m="http://schemas.openxmlformats.org/officeDocument/2006/math" xmlns="" val="1"/>
+              <ma14:wrappingTextBoxFlag xmlns="" xmlns:m="http://schemas.openxmlformats.org/officeDocument/2006/math" xmlns:a14="http://schemas.microsoft.com/office/drawing/2010/main" xmlns:ma14="http://schemas.microsoft.com/office/mac/drawingml/2011/main" val="1"/>
             </a:ext>
           </a:extLst>
         </p:spPr>
@@ -8062,7 +8171,7 @@
           </a:ln>
           <a:extLst>
             <a:ext uri="{C572A759-6A51-4108-AA02-DFA0A04FC94B}">
-              <ma14:wrappingTextBoxFlag xmlns:ma14="http://schemas.microsoft.com/office/mac/drawingml/2011/main" xmlns:a14="http://schemas.microsoft.com/office/drawing/2010/main" xmlns:m="http://schemas.openxmlformats.org/officeDocument/2006/math" xmlns="" val="1"/>
+              <ma14:wrappingTextBoxFlag xmlns="" xmlns:m="http://schemas.openxmlformats.org/officeDocument/2006/math" xmlns:a14="http://schemas.microsoft.com/office/drawing/2010/main" xmlns:ma14="http://schemas.microsoft.com/office/mac/drawingml/2011/main" val="1"/>
             </a:ext>
           </a:extLst>
         </p:spPr>
@@ -8181,7 +8290,7 @@
           </a:ln>
           <a:extLst>
             <a:ext uri="{C572A759-6A51-4108-AA02-DFA0A04FC94B}">
-              <ma14:wrappingTextBoxFlag xmlns:ma14="http://schemas.microsoft.com/office/mac/drawingml/2011/main" xmlns:a14="http://schemas.microsoft.com/office/drawing/2010/main" xmlns:m="http://schemas.openxmlformats.org/officeDocument/2006/math" xmlns="" val="1"/>
+              <ma14:wrappingTextBoxFlag xmlns="" xmlns:m="http://schemas.openxmlformats.org/officeDocument/2006/math" xmlns:a14="http://schemas.microsoft.com/office/drawing/2010/main" xmlns:ma14="http://schemas.microsoft.com/office/mac/drawingml/2011/main" val="1"/>
             </a:ext>
           </a:extLst>
         </p:spPr>
@@ -8276,7 +8385,7 @@
           </a:ln>
           <a:extLst>
             <a:ext uri="{C572A759-6A51-4108-AA02-DFA0A04FC94B}">
-              <ma14:wrappingTextBoxFlag xmlns:ma14="http://schemas.microsoft.com/office/mac/drawingml/2011/main" xmlns:a14="http://schemas.microsoft.com/office/drawing/2010/main" xmlns:m="http://schemas.openxmlformats.org/officeDocument/2006/math" xmlns="" val="1"/>
+              <ma14:wrappingTextBoxFlag xmlns="" xmlns:m="http://schemas.openxmlformats.org/officeDocument/2006/math" xmlns:a14="http://schemas.microsoft.com/office/drawing/2010/main" xmlns:ma14="http://schemas.microsoft.com/office/mac/drawingml/2011/main" val="1"/>
             </a:ext>
           </a:extLst>
         </p:spPr>
@@ -8772,7 +8881,7 @@
           </a:ln>
           <a:extLst>
             <a:ext uri="{C572A759-6A51-4108-AA02-DFA0A04FC94B}">
-              <ma14:wrappingTextBoxFlag xmlns:ma14="http://schemas.microsoft.com/office/mac/drawingml/2011/main" xmlns:a14="http://schemas.microsoft.com/office/drawing/2010/main" xmlns:m="http://schemas.openxmlformats.org/officeDocument/2006/math" xmlns="" val="1"/>
+              <ma14:wrappingTextBoxFlag xmlns="" xmlns:m="http://schemas.openxmlformats.org/officeDocument/2006/math" xmlns:a14="http://schemas.microsoft.com/office/drawing/2010/main" xmlns:ma14="http://schemas.microsoft.com/office/mac/drawingml/2011/main" val="1"/>
             </a:ext>
           </a:extLst>
         </p:spPr>
@@ -8867,7 +8976,7 @@
           </a:ln>
           <a:extLst>
             <a:ext uri="{C572A759-6A51-4108-AA02-DFA0A04FC94B}">
-              <ma14:wrappingTextBoxFlag xmlns:ma14="http://schemas.microsoft.com/office/mac/drawingml/2011/main" xmlns:a14="http://schemas.microsoft.com/office/drawing/2010/main" xmlns:m="http://schemas.openxmlformats.org/officeDocument/2006/math" xmlns="" val="1"/>
+              <ma14:wrappingTextBoxFlag xmlns="" xmlns:m="http://schemas.openxmlformats.org/officeDocument/2006/math" xmlns:a14="http://schemas.microsoft.com/office/drawing/2010/main" xmlns:ma14="http://schemas.microsoft.com/office/mac/drawingml/2011/main" val="1"/>
             </a:ext>
           </a:extLst>
         </p:spPr>
@@ -9194,7 +9303,7 @@
           </a:ln>
           <a:extLst>
             <a:ext uri="{C572A759-6A51-4108-AA02-DFA0A04FC94B}">
-              <ma14:wrappingTextBoxFlag xmlns:ma14="http://schemas.microsoft.com/office/mac/drawingml/2011/main" xmlns:a14="http://schemas.microsoft.com/office/drawing/2010/main" xmlns:m="http://schemas.openxmlformats.org/officeDocument/2006/math" xmlns="" val="1"/>
+              <ma14:wrappingTextBoxFlag xmlns="" xmlns:m="http://schemas.openxmlformats.org/officeDocument/2006/math" xmlns:a14="http://schemas.microsoft.com/office/drawing/2010/main" xmlns:ma14="http://schemas.microsoft.com/office/mac/drawingml/2011/main" val="1"/>
             </a:ext>
           </a:extLst>
         </p:spPr>
@@ -9289,7 +9398,7 @@
           </a:ln>
           <a:extLst>
             <a:ext uri="{C572A759-6A51-4108-AA02-DFA0A04FC94B}">
-              <ma14:wrappingTextBoxFlag xmlns:ma14="http://schemas.microsoft.com/office/mac/drawingml/2011/main" xmlns:a14="http://schemas.microsoft.com/office/drawing/2010/main" xmlns:m="http://schemas.openxmlformats.org/officeDocument/2006/math" xmlns="" val="1"/>
+              <ma14:wrappingTextBoxFlag xmlns="" xmlns:m="http://schemas.openxmlformats.org/officeDocument/2006/math" xmlns:a14="http://schemas.microsoft.com/office/drawing/2010/main" xmlns:ma14="http://schemas.microsoft.com/office/mac/drawingml/2011/main" val="1"/>
             </a:ext>
           </a:extLst>
         </p:spPr>
@@ -9551,7 +9660,7 @@
           </a:ln>
           <a:extLst>
             <a:ext uri="{C572A759-6A51-4108-AA02-DFA0A04FC94B}">
-              <ma14:wrappingTextBoxFlag xmlns:ma14="http://schemas.microsoft.com/office/mac/drawingml/2011/main" xmlns:a14="http://schemas.microsoft.com/office/drawing/2010/main" xmlns:m="http://schemas.openxmlformats.org/officeDocument/2006/math" xmlns="" val="1"/>
+              <ma14:wrappingTextBoxFlag xmlns="" xmlns:m="http://schemas.openxmlformats.org/officeDocument/2006/math" xmlns:a14="http://schemas.microsoft.com/office/drawing/2010/main" xmlns:ma14="http://schemas.microsoft.com/office/mac/drawingml/2011/main" val="1"/>
             </a:ext>
           </a:extLst>
         </p:spPr>
@@ -9642,7 +9751,7 @@
           </a:ln>
           <a:extLst>
             <a:ext uri="{C572A759-6A51-4108-AA02-DFA0A04FC94B}">
-              <ma14:wrappingTextBoxFlag xmlns:ma14="http://schemas.microsoft.com/office/mac/drawingml/2011/main" xmlns:a14="http://schemas.microsoft.com/office/drawing/2010/main" xmlns:m="http://schemas.openxmlformats.org/officeDocument/2006/math" xmlns="" val="1"/>
+              <ma14:wrappingTextBoxFlag xmlns="" xmlns:m="http://schemas.openxmlformats.org/officeDocument/2006/math" xmlns:a14="http://schemas.microsoft.com/office/drawing/2010/main" xmlns:ma14="http://schemas.microsoft.com/office/mac/drawingml/2011/main" val="1"/>
             </a:ext>
           </a:extLst>
         </p:spPr>
@@ -9820,7 +9929,7 @@
           </a:ln>
           <a:extLst>
             <a:ext uri="{C572A759-6A51-4108-AA02-DFA0A04FC94B}">
-              <ma14:wrappingTextBoxFlag xmlns:ma14="http://schemas.microsoft.com/office/mac/drawingml/2011/main" xmlns:a14="http://schemas.microsoft.com/office/drawing/2010/main" xmlns:m="http://schemas.openxmlformats.org/officeDocument/2006/math" xmlns="" val="1"/>
+              <ma14:wrappingTextBoxFlag xmlns="" xmlns:m="http://schemas.openxmlformats.org/officeDocument/2006/math" xmlns:a14="http://schemas.microsoft.com/office/drawing/2010/main" xmlns:ma14="http://schemas.microsoft.com/office/mac/drawingml/2011/main" val="1"/>
             </a:ext>
           </a:extLst>
         </p:spPr>
@@ -9915,7 +10024,7 @@
           </a:ln>
           <a:extLst>
             <a:ext uri="{C572A759-6A51-4108-AA02-DFA0A04FC94B}">
-              <ma14:wrappingTextBoxFlag xmlns:ma14="http://schemas.microsoft.com/office/mac/drawingml/2011/main" xmlns:a14="http://schemas.microsoft.com/office/drawing/2010/main" xmlns:m="http://schemas.openxmlformats.org/officeDocument/2006/math" xmlns="" val="1"/>
+              <ma14:wrappingTextBoxFlag xmlns="" xmlns:m="http://schemas.openxmlformats.org/officeDocument/2006/math" xmlns:a14="http://schemas.microsoft.com/office/drawing/2010/main" xmlns:ma14="http://schemas.microsoft.com/office/mac/drawingml/2011/main" val="1"/>
             </a:ext>
           </a:extLst>
         </p:spPr>
@@ -10261,7 +10370,7 @@
           </a:ln>
           <a:extLst>
             <a:ext uri="{C572A759-6A51-4108-AA02-DFA0A04FC94B}">
-              <ma14:wrappingTextBoxFlag xmlns:ma14="http://schemas.microsoft.com/office/mac/drawingml/2011/main" xmlns:a14="http://schemas.microsoft.com/office/drawing/2010/main" xmlns:m="http://schemas.openxmlformats.org/officeDocument/2006/math" xmlns="" val="1"/>
+              <ma14:wrappingTextBoxFlag xmlns="" xmlns:m="http://schemas.openxmlformats.org/officeDocument/2006/math" xmlns:a14="http://schemas.microsoft.com/office/drawing/2010/main" xmlns:ma14="http://schemas.microsoft.com/office/mac/drawingml/2011/main" val="1"/>
             </a:ext>
           </a:extLst>
         </p:spPr>
@@ -10356,7 +10465,7 @@
           </a:ln>
           <a:extLst>
             <a:ext uri="{C572A759-6A51-4108-AA02-DFA0A04FC94B}">
-              <ma14:wrappingTextBoxFlag xmlns:ma14="http://schemas.microsoft.com/office/mac/drawingml/2011/main" xmlns:a14="http://schemas.microsoft.com/office/drawing/2010/main" xmlns:m="http://schemas.openxmlformats.org/officeDocument/2006/math" xmlns="" val="1"/>
+              <ma14:wrappingTextBoxFlag xmlns="" xmlns:m="http://schemas.openxmlformats.org/officeDocument/2006/math" xmlns:a14="http://schemas.microsoft.com/office/drawing/2010/main" xmlns:ma14="http://schemas.microsoft.com/office/mac/drawingml/2011/main" val="1"/>
             </a:ext>
           </a:extLst>
         </p:spPr>
@@ -10381,7 +10490,7 @@
               </a:defRPr>
             </a:pPr>
             <a:r>
-              <a:rPr sz="3000">
+              <a:rPr sz="3000" dirty="0">
                 <a:latin typeface="Consolas" panose="020B0609020204030204" pitchFamily="49" charset="0"/>
                 <a:ea typeface="DengXian" panose="02010600030101010101" pitchFamily="2" charset="-122"/>
                 <a:cs typeface="Consolas" panose="020B0609020204030204" pitchFamily="49" charset="0"/>
@@ -10390,15 +10499,31 @@
               <a:t>C</a:t>
             </a:r>
             <a:r>
-              <a:rPr sz="3000">
-                <a:latin typeface="Consolas" panose="020B0609020204030204" pitchFamily="49" charset="0"/>
-                <a:ea typeface="DengXian" panose="02010600030101010101" pitchFamily="2" charset="-122"/>
-                <a:cs typeface="Consolas" panose="020B0609020204030204" pitchFamily="49" charset="0"/>
-              </a:rPr>
-              <a:t> 语言中的 </a:t>
-            </a:r>
-            <a:r>
-              <a:rPr sz="3000">
+              <a:rPr sz="3000" dirty="0">
+                <a:latin typeface="Consolas" panose="020B0609020204030204" pitchFamily="49" charset="0"/>
+                <a:ea typeface="DengXian" panose="02010600030101010101" pitchFamily="2" charset="-122"/>
+                <a:cs typeface="Consolas" panose="020B0609020204030204" pitchFamily="49" charset="0"/>
+              </a:rPr>
+              <a:t> </a:t>
+            </a:r>
+            <a:r>
+              <a:rPr sz="3000" dirty="0" err="1">
+                <a:latin typeface="Consolas" panose="020B0609020204030204" pitchFamily="49" charset="0"/>
+                <a:ea typeface="DengXian" panose="02010600030101010101" pitchFamily="2" charset="-122"/>
+                <a:cs typeface="Consolas" panose="020B0609020204030204" pitchFamily="49" charset="0"/>
+              </a:rPr>
+              <a:t>语言中的</a:t>
+            </a:r>
+            <a:r>
+              <a:rPr sz="3000" dirty="0">
+                <a:latin typeface="Consolas" panose="020B0609020204030204" pitchFamily="49" charset="0"/>
+                <a:ea typeface="DengXian" panose="02010600030101010101" pitchFamily="2" charset="-122"/>
+                <a:cs typeface="Consolas" panose="020B0609020204030204" pitchFamily="49" charset="0"/>
+              </a:rPr>
+              <a:t> </a:t>
+            </a:r>
+            <a:r>
+              <a:rPr sz="3000" dirty="0">
                 <a:latin typeface="Consolas" panose="020B0609020204030204" pitchFamily="49" charset="0"/>
                 <a:ea typeface="DengXian" panose="02010600030101010101" pitchFamily="2" charset="-122"/>
                 <a:cs typeface="Consolas" panose="020B0609020204030204" pitchFamily="49" charset="0"/>
@@ -10407,7 +10532,7 @@
               <a:t>int</a:t>
             </a:r>
             <a:r>
-              <a:rPr sz="3000">
+              <a:rPr sz="3000" dirty="0">
                 <a:latin typeface="Consolas" panose="020B0609020204030204" pitchFamily="49" charset="0"/>
                 <a:ea typeface="DengXian" panose="02010600030101010101" pitchFamily="2" charset="-122"/>
                 <a:cs typeface="Consolas" panose="020B0609020204030204" pitchFamily="49" charset="0"/>
@@ -10415,7 +10540,7 @@
               <a:t> 和 </a:t>
             </a:r>
             <a:r>
-              <a:rPr sz="3000">
+              <a:rPr sz="3000" dirty="0">
                 <a:latin typeface="Consolas" panose="020B0609020204030204" pitchFamily="49" charset="0"/>
                 <a:ea typeface="DengXian" panose="02010600030101010101" pitchFamily="2" charset="-122"/>
                 <a:cs typeface="Consolas" panose="020B0609020204030204" pitchFamily="49" charset="0"/>
@@ -10424,15 +10549,23 @@
               <a:t>unsigned</a:t>
             </a:r>
             <a:r>
-              <a:rPr sz="3000">
-                <a:latin typeface="Consolas" panose="020B0609020204030204" pitchFamily="49" charset="0"/>
-                <a:ea typeface="DengXian" panose="02010600030101010101" pitchFamily="2" charset="-122"/>
-                <a:cs typeface="Consolas" panose="020B0609020204030204" pitchFamily="49" charset="0"/>
-              </a:rPr>
-              <a:t> 类型的常数进行比较时，下列表达式及描述正确的是：</a:t>
-            </a:r>
-            <a:r>
-              <a:rPr sz="3000">
+              <a:rPr sz="3000" dirty="0">
+                <a:latin typeface="Consolas" panose="020B0609020204030204" pitchFamily="49" charset="0"/>
+                <a:ea typeface="DengXian" panose="02010600030101010101" pitchFamily="2" charset="-122"/>
+                <a:cs typeface="Consolas" panose="020B0609020204030204" pitchFamily="49" charset="0"/>
+              </a:rPr>
+              <a:t> </a:t>
+            </a:r>
+            <a:r>
+              <a:rPr sz="3000" dirty="0" err="1">
+                <a:latin typeface="Consolas" panose="020B0609020204030204" pitchFamily="49" charset="0"/>
+                <a:ea typeface="DengXian" panose="02010600030101010101" pitchFamily="2" charset="-122"/>
+                <a:cs typeface="Consolas" panose="020B0609020204030204" pitchFamily="49" charset="0"/>
+              </a:rPr>
+              <a:t>类型的常数进行比较时，下列表达式及描述正确的是：</a:t>
+            </a:r>
+            <a:r>
+              <a:rPr sz="3000" dirty="0" err="1">
                 <a:solidFill>
                   <a:schemeClr val="accent5">
                     <a:hueOff val="-82419"/>
@@ -10447,6 +10580,19 @@
               </a:rPr>
               <a:t>D</a:t>
             </a:r>
+            <a:endParaRPr sz="3000" dirty="0">
+              <a:solidFill>
+                <a:schemeClr val="accent5">
+                  <a:hueOff val="-82419"/>
+                  <a:satOff val="-9513"/>
+                  <a:lumOff val="-16343"/>
+                </a:schemeClr>
+              </a:solidFill>
+              <a:latin typeface="Consolas" panose="020B0609020204030204" pitchFamily="49" charset="0"/>
+              <a:ea typeface="DengXian" panose="02010600030101010101" pitchFamily="2" charset="-122"/>
+              <a:cs typeface="Consolas" panose="020B0609020204030204" pitchFamily="49" charset="0"/>
+              <a:sym typeface="Consolas"/>
+            </a:endParaRPr>
           </a:p>
           <a:p>
             <a:pPr defTabSz="457200">
@@ -10464,16 +10610,34 @@
               </a:defRPr>
             </a:pPr>
             <a:r>
-              <a:rPr sz="3000">
+              <a:rPr sz="3000" dirty="0">
                 <a:latin typeface="Consolas" panose="020B0609020204030204" pitchFamily="49" charset="0"/>
                 <a:ea typeface="DengXian" panose="02010600030101010101" pitchFamily="2" charset="-122"/>
                 <a:cs typeface="Consolas" panose="020B0609020204030204" pitchFamily="49" charset="0"/>
                 <a:sym typeface="Calibri Light"/>
               </a:rPr>
-              <a:t>（位宽为 </a:t>
-            </a:r>
-            <a:r>
-              <a:rPr sz="3000">
+              <a:t>（</a:t>
+            </a:r>
+            <a:r>
+              <a:rPr sz="3000" dirty="0" err="1">
+                <a:latin typeface="Consolas" panose="020B0609020204030204" pitchFamily="49" charset="0"/>
+                <a:ea typeface="DengXian" panose="02010600030101010101" pitchFamily="2" charset="-122"/>
+                <a:cs typeface="Consolas" panose="020B0609020204030204" pitchFamily="49" charset="0"/>
+                <a:sym typeface="Calibri Light"/>
+              </a:rPr>
+              <a:t>位宽为</a:t>
+            </a:r>
+            <a:r>
+              <a:rPr sz="3000" dirty="0">
+                <a:latin typeface="Consolas" panose="020B0609020204030204" pitchFamily="49" charset="0"/>
+                <a:ea typeface="DengXian" panose="02010600030101010101" pitchFamily="2" charset="-122"/>
+                <a:cs typeface="Consolas" panose="020B0609020204030204" pitchFamily="49" charset="0"/>
+                <a:sym typeface="Calibri Light"/>
+              </a:rPr>
+              <a:t> </a:t>
+            </a:r>
+            <a:r>
+              <a:rPr sz="3000" dirty="0">
                 <a:latin typeface="Consolas" panose="020B0609020204030204" pitchFamily="49" charset="0"/>
                 <a:ea typeface="DengXian" panose="02010600030101010101" pitchFamily="2" charset="-122"/>
                 <a:cs typeface="Consolas" panose="020B0609020204030204" pitchFamily="49" charset="0"/>
@@ -10482,25 +10646,43 @@
               <a:t>32</a:t>
             </a:r>
             <a:r>
-              <a:rPr sz="3000">
+              <a:rPr sz="3000" dirty="0">
                 <a:latin typeface="Consolas" panose="020B0609020204030204" pitchFamily="49" charset="0"/>
                 <a:ea typeface="DengXian" panose="02010600030101010101" pitchFamily="2" charset="-122"/>
                 <a:cs typeface="Consolas" panose="020B0609020204030204" pitchFamily="49" charset="0"/>
                 <a:sym typeface="Calibri Light"/>
               </a:rPr>
-              <a:t> 位，</a:t>
-            </a:r>
-            <a:r>
-              <a:rPr sz="3000">
+              <a:t> </a:t>
+            </a:r>
+            <a:r>
+              <a:rPr sz="3000" dirty="0" err="1">
+                <a:latin typeface="Consolas" panose="020B0609020204030204" pitchFamily="49" charset="0"/>
+                <a:ea typeface="DengXian" panose="02010600030101010101" pitchFamily="2" charset="-122"/>
+                <a:cs typeface="Consolas" panose="020B0609020204030204" pitchFamily="49" charset="0"/>
+                <a:sym typeface="Calibri Light"/>
+              </a:rPr>
+              <a:t>位，</a:t>
+            </a:r>
+            <a:r>
+              <a:rPr sz="3000" dirty="0" err="1">
                 <a:latin typeface="Consolas" panose="020B0609020204030204" pitchFamily="49" charset="0"/>
                 <a:ea typeface="DengXian" panose="02010600030101010101" pitchFamily="2" charset="-122"/>
                 <a:cs typeface="Consolas" panose="020B0609020204030204" pitchFamily="49" charset="0"/>
                 <a:sym typeface="Consolas"/>
               </a:rPr>
-              <a:t>TMIN=-2147483648，TMAX=2147483647</a:t>
-            </a:r>
-            <a:r>
-              <a:rPr sz="3000">
+              <a:t>TMIN</a:t>
+            </a:r>
+            <a:r>
+              <a:rPr sz="3000" dirty="0">
+                <a:latin typeface="Consolas" panose="020B0609020204030204" pitchFamily="49" charset="0"/>
+                <a:ea typeface="DengXian" panose="02010600030101010101" pitchFamily="2" charset="-122"/>
+                <a:cs typeface="Consolas" panose="020B0609020204030204" pitchFamily="49" charset="0"/>
+                <a:sym typeface="Consolas"/>
+              </a:rPr>
+              <a:t>=-2147483648，TMAX=2147483647</a:t>
+            </a:r>
+            <a:r>
+              <a:rPr sz="3000" dirty="0">
                 <a:latin typeface="Consolas" panose="020B0609020204030204" pitchFamily="49" charset="0"/>
                 <a:ea typeface="DengXian" panose="02010600030101010101" pitchFamily="2" charset="-122"/>
                 <a:cs typeface="Consolas" panose="020B0609020204030204" pitchFamily="49" charset="0"/>
@@ -10525,7 +10707,7 @@
               </a:defRPr>
             </a:pPr>
             <a:r>
-              <a:rPr sz="3000">
+              <a:rPr sz="3000" dirty="0">
                 <a:latin typeface="Consolas" panose="020B0609020204030204" pitchFamily="49" charset="0"/>
                 <a:ea typeface="DengXian" panose="02010600030101010101" pitchFamily="2" charset="-122"/>
                 <a:cs typeface="Consolas" panose="020B0609020204030204" pitchFamily="49" charset="0"/>
@@ -10534,7 +10716,7 @@
               <a:t>A. 0 == 0U,</a:t>
             </a:r>
             <a:r>
-              <a:rPr sz="3000">
+              <a:rPr sz="3000" dirty="0">
                 <a:latin typeface="Consolas" panose="020B0609020204030204" pitchFamily="49" charset="0"/>
                 <a:ea typeface="DengXian" panose="02010600030101010101" pitchFamily="2" charset="-122"/>
                 <a:cs typeface="Consolas" panose="020B0609020204030204" pitchFamily="49" charset="0"/>
@@ -10543,7 +10725,7 @@
               <a:t> </a:t>
             </a:r>
             <a:r>
-              <a:rPr sz="3000">
+              <a:rPr sz="3000" dirty="0" err="1">
                 <a:latin typeface="Consolas" panose="020B0609020204030204" pitchFamily="49" charset="0"/>
                 <a:ea typeface="DengXian" panose="02010600030101010101" pitchFamily="2" charset="-122"/>
                 <a:cs typeface="Consolas" panose="020B0609020204030204" pitchFamily="49" charset="0"/>
@@ -10552,7 +10734,7 @@
               <a:t>按有符号数进行比较</a:t>
             </a:r>
             <a:r>
-              <a:rPr sz="3000">
+              <a:rPr sz="3000" dirty="0">
                 <a:latin typeface="Consolas" panose="020B0609020204030204" pitchFamily="49" charset="0"/>
                 <a:ea typeface="DengXian" panose="02010600030101010101" pitchFamily="2" charset="-122"/>
                 <a:cs typeface="Consolas" panose="020B0609020204030204" pitchFamily="49" charset="0"/>
@@ -10576,7 +10758,7 @@
               </a:defRPr>
             </a:pPr>
             <a:r>
-              <a:rPr sz="3000">
+              <a:rPr sz="3000" dirty="0">
                 <a:latin typeface="Consolas" panose="020B0609020204030204" pitchFamily="49" charset="0"/>
                 <a:ea typeface="DengXian" panose="02010600030101010101" pitchFamily="2" charset="-122"/>
                 <a:cs typeface="Consolas" panose="020B0609020204030204" pitchFamily="49" charset="0"/>
@@ -10585,7 +10767,7 @@
               <a:t>B. 2147483647U &gt; -2147483647 - 1,</a:t>
             </a:r>
             <a:r>
-              <a:rPr sz="3000">
+              <a:rPr sz="3000" dirty="0">
                 <a:latin typeface="Consolas" panose="020B0609020204030204" pitchFamily="49" charset="0"/>
                 <a:ea typeface="DengXian" panose="02010600030101010101" pitchFamily="2" charset="-122"/>
                 <a:cs typeface="Consolas" panose="020B0609020204030204" pitchFamily="49" charset="0"/>
@@ -10594,7 +10776,7 @@
               <a:t> </a:t>
             </a:r>
             <a:r>
-              <a:rPr sz="3000">
+              <a:rPr sz="3000" dirty="0" err="1">
                 <a:latin typeface="Consolas" panose="020B0609020204030204" pitchFamily="49" charset="0"/>
                 <a:ea typeface="DengXian" panose="02010600030101010101" pitchFamily="2" charset="-122"/>
                 <a:cs typeface="Consolas" panose="020B0609020204030204" pitchFamily="49" charset="0"/>
@@ -10602,6 +10784,12 @@
               </a:rPr>
               <a:t>按无符号数进行比较</a:t>
             </a:r>
+            <a:endParaRPr sz="3000" dirty="0">
+              <a:latin typeface="Consolas" panose="020B0609020204030204" pitchFamily="49" charset="0"/>
+              <a:ea typeface="DengXian" panose="02010600030101010101" pitchFamily="2" charset="-122"/>
+              <a:cs typeface="Consolas" panose="020B0609020204030204" pitchFamily="49" charset="0"/>
+              <a:sym typeface="Calibri Light"/>
+            </a:endParaRPr>
           </a:p>
           <a:p>
             <a:pPr defTabSz="457200">
@@ -10619,7 +10807,7 @@
               </a:defRPr>
             </a:pPr>
             <a:r>
-              <a:rPr sz="3000">
+              <a:rPr sz="3000" dirty="0">
                 <a:latin typeface="Consolas" panose="020B0609020204030204" pitchFamily="49" charset="0"/>
                 <a:ea typeface="DengXian" panose="02010600030101010101" pitchFamily="2" charset="-122"/>
                 <a:cs typeface="Consolas" panose="020B0609020204030204" pitchFamily="49" charset="0"/>
@@ -10628,7 +10816,7 @@
               <a:t>C. (unsigned)-1 &lt; -2,</a:t>
             </a:r>
             <a:r>
-              <a:rPr sz="3000">
+              <a:rPr sz="3000" dirty="0">
                 <a:latin typeface="Consolas" panose="020B0609020204030204" pitchFamily="49" charset="0"/>
                 <a:ea typeface="DengXian" panose="02010600030101010101" pitchFamily="2" charset="-122"/>
                 <a:cs typeface="Consolas" panose="020B0609020204030204" pitchFamily="49" charset="0"/>
@@ -10637,7 +10825,7 @@
               <a:t> </a:t>
             </a:r>
             <a:r>
-              <a:rPr sz="3000">
+              <a:rPr sz="3000" dirty="0" err="1">
                 <a:latin typeface="Consolas" panose="020B0609020204030204" pitchFamily="49" charset="0"/>
                 <a:ea typeface="DengXian" panose="02010600030101010101" pitchFamily="2" charset="-122"/>
                 <a:cs typeface="Consolas" panose="020B0609020204030204" pitchFamily="49" charset="0"/>
@@ -10646,7 +10834,7 @@
               <a:t>按无符号数进行比较</a:t>
             </a:r>
             <a:r>
-              <a:rPr sz="3000">
+              <a:rPr sz="3000" dirty="0">
                 <a:latin typeface="Consolas" panose="020B0609020204030204" pitchFamily="49" charset="0"/>
                 <a:ea typeface="DengXian" panose="02010600030101010101" pitchFamily="2" charset="-122"/>
                 <a:cs typeface="Consolas" panose="020B0609020204030204" pitchFamily="49" charset="0"/>
@@ -10670,7 +10858,7 @@
               </a:defRPr>
             </a:pPr>
             <a:r>
-              <a:rPr sz="3000">
+              <a:rPr sz="3000" dirty="0">
                 <a:latin typeface="Consolas" panose="020B0609020204030204" pitchFamily="49" charset="0"/>
                 <a:ea typeface="DengXian" panose="02010600030101010101" pitchFamily="2" charset="-122"/>
                 <a:cs typeface="Consolas" panose="020B0609020204030204" pitchFamily="49" charset="0"/>
@@ -10679,7 +10867,7 @@
               <a:t>D. 2147483647 &gt; (int)2147483648U,</a:t>
             </a:r>
             <a:r>
-              <a:rPr sz="3000">
+              <a:rPr sz="3000" dirty="0">
                 <a:latin typeface="Consolas" panose="020B0609020204030204" pitchFamily="49" charset="0"/>
                 <a:ea typeface="DengXian" panose="02010600030101010101" pitchFamily="2" charset="-122"/>
                 <a:cs typeface="Consolas" panose="020B0609020204030204" pitchFamily="49" charset="0"/>
@@ -10688,7 +10876,7 @@
               <a:t> </a:t>
             </a:r>
             <a:r>
-              <a:rPr sz="3000">
+              <a:rPr sz="3000" dirty="0" err="1">
                 <a:latin typeface="Consolas" panose="020B0609020204030204" pitchFamily="49" charset="0"/>
                 <a:ea typeface="DengXian" panose="02010600030101010101" pitchFamily="2" charset="-122"/>
                 <a:cs typeface="Consolas" panose="020B0609020204030204" pitchFamily="49" charset="0"/>
@@ -10696,6 +10884,12 @@
               </a:rPr>
               <a:t>按有符号数进行比较</a:t>
             </a:r>
+            <a:endParaRPr sz="3000" dirty="0">
+              <a:latin typeface="Consolas" panose="020B0609020204030204" pitchFamily="49" charset="0"/>
+              <a:ea typeface="DengXian" panose="02010600030101010101" pitchFamily="2" charset="-122"/>
+              <a:cs typeface="Consolas" panose="020B0609020204030204" pitchFamily="49" charset="0"/>
+              <a:sym typeface="Calibri Light"/>
+            </a:endParaRPr>
           </a:p>
         </p:txBody>
       </p:sp>
@@ -10718,7 +10912,7 @@
           </a:ln>
           <a:extLst>
             <a:ext uri="{C572A759-6A51-4108-AA02-DFA0A04FC94B}">
-              <ma14:wrappingTextBoxFlag xmlns:ma14="http://schemas.microsoft.com/office/mac/drawingml/2011/main" xmlns:a14="http://schemas.microsoft.com/office/drawing/2010/main" xmlns:m="http://schemas.openxmlformats.org/officeDocument/2006/math" xmlns="" val="1"/>
+              <ma14:wrappingTextBoxFlag xmlns="" xmlns:m="http://schemas.openxmlformats.org/officeDocument/2006/math" xmlns:a14="http://schemas.microsoft.com/office/drawing/2010/main" xmlns:ma14="http://schemas.microsoft.com/office/mac/drawingml/2011/main" val="1"/>
             </a:ext>
           </a:extLst>
         </p:spPr>
@@ -10813,7 +11007,7 @@
           </a:ln>
           <a:extLst>
             <a:ext uri="{C572A759-6A51-4108-AA02-DFA0A04FC94B}">
-              <ma14:wrappingTextBoxFlag xmlns:ma14="http://schemas.microsoft.com/office/mac/drawingml/2011/main" xmlns:a14="http://schemas.microsoft.com/office/drawing/2010/main" xmlns:m="http://schemas.openxmlformats.org/officeDocument/2006/math" xmlns="" val="1"/>
+              <ma14:wrappingTextBoxFlag xmlns="" xmlns:m="http://schemas.openxmlformats.org/officeDocument/2006/math" xmlns:a14="http://schemas.microsoft.com/office/drawing/2010/main" xmlns:ma14="http://schemas.microsoft.com/office/mac/drawingml/2011/main" val="1"/>
             </a:ext>
           </a:extLst>
         </p:spPr>
@@ -11110,7 +11304,7 @@
           </a:ln>
           <a:extLst>
             <a:ext uri="{C572A759-6A51-4108-AA02-DFA0A04FC94B}">
-              <ma14:wrappingTextBoxFlag xmlns:ma14="http://schemas.microsoft.com/office/mac/drawingml/2011/main" xmlns:a14="http://schemas.microsoft.com/office/drawing/2010/main" xmlns:m="http://schemas.openxmlformats.org/officeDocument/2006/math" xmlns="" val="1"/>
+              <ma14:wrappingTextBoxFlag xmlns="" xmlns:m="http://schemas.openxmlformats.org/officeDocument/2006/math" xmlns:a14="http://schemas.microsoft.com/office/drawing/2010/main" xmlns:ma14="http://schemas.microsoft.com/office/mac/drawingml/2011/main" val="1"/>
             </a:ext>
           </a:extLst>
         </p:spPr>
@@ -11205,7 +11399,7 @@
           </a:ln>
           <a:extLst>
             <a:ext uri="{C572A759-6A51-4108-AA02-DFA0A04FC94B}">
-              <ma14:wrappingTextBoxFlag xmlns:ma14="http://schemas.microsoft.com/office/mac/drawingml/2011/main" xmlns:a14="http://schemas.microsoft.com/office/drawing/2010/main" xmlns:m="http://schemas.openxmlformats.org/officeDocument/2006/math" xmlns="" val="1"/>
+              <ma14:wrappingTextBoxFlag xmlns="" xmlns:m="http://schemas.openxmlformats.org/officeDocument/2006/math" xmlns:a14="http://schemas.microsoft.com/office/drawing/2010/main" xmlns:ma14="http://schemas.microsoft.com/office/mac/drawingml/2011/main" val="1"/>
             </a:ext>
           </a:extLst>
         </p:spPr>
@@ -11569,7 +11763,7 @@
           </a:ln>
           <a:extLst>
             <a:ext uri="{C572A759-6A51-4108-AA02-DFA0A04FC94B}">
-              <ma14:wrappingTextBoxFlag xmlns:ma14="http://schemas.microsoft.com/office/mac/drawingml/2011/main" xmlns:a14="http://schemas.microsoft.com/office/drawing/2010/main" xmlns:m="http://schemas.openxmlformats.org/officeDocument/2006/math" xmlns="" val="1"/>
+              <ma14:wrappingTextBoxFlag xmlns="" xmlns:m="http://schemas.openxmlformats.org/officeDocument/2006/math" xmlns:a14="http://schemas.microsoft.com/office/drawing/2010/main" xmlns:ma14="http://schemas.microsoft.com/office/mac/drawingml/2011/main" val="1"/>
             </a:ext>
           </a:extLst>
         </p:spPr>
@@ -11781,7 +11975,7 @@
           </a:ln>
           <a:extLst>
             <a:ext uri="{C572A759-6A51-4108-AA02-DFA0A04FC94B}">
-              <ma14:wrappingTextBoxFlag xmlns:ma14="http://schemas.microsoft.com/office/mac/drawingml/2011/main" xmlns:a14="http://schemas.microsoft.com/office/drawing/2010/main" xmlns:m="http://schemas.openxmlformats.org/officeDocument/2006/math" xmlns="" val="1"/>
+              <ma14:wrappingTextBoxFlag xmlns="" xmlns:m="http://schemas.openxmlformats.org/officeDocument/2006/math" xmlns:a14="http://schemas.microsoft.com/office/drawing/2010/main" xmlns:ma14="http://schemas.microsoft.com/office/mac/drawingml/2011/main" val="1"/>
             </a:ext>
           </a:extLst>
         </p:spPr>
@@ -12009,7 +12203,7 @@
           </a:ln>
           <a:extLst>
             <a:ext uri="{C572A759-6A51-4108-AA02-DFA0A04FC94B}">
-              <ma14:wrappingTextBoxFlag xmlns:ma14="http://schemas.microsoft.com/office/mac/drawingml/2011/main" xmlns:a14="http://schemas.microsoft.com/office/drawing/2010/main" xmlns:m="http://schemas.openxmlformats.org/officeDocument/2006/math" xmlns="" val="1"/>
+              <ma14:wrappingTextBoxFlag xmlns="" xmlns:m="http://schemas.openxmlformats.org/officeDocument/2006/math" xmlns:a14="http://schemas.microsoft.com/office/drawing/2010/main" xmlns:ma14="http://schemas.microsoft.com/office/mac/drawingml/2011/main" val="1"/>
             </a:ext>
           </a:extLst>
         </p:spPr>
@@ -12104,7 +12298,7 @@
           </a:ln>
           <a:extLst>
             <a:ext uri="{C572A759-6A51-4108-AA02-DFA0A04FC94B}">
-              <ma14:wrappingTextBoxFlag xmlns:ma14="http://schemas.microsoft.com/office/mac/drawingml/2011/main" xmlns:a14="http://schemas.microsoft.com/office/drawing/2010/main" xmlns:m="http://schemas.openxmlformats.org/officeDocument/2006/math" xmlns="" val="1"/>
+              <ma14:wrappingTextBoxFlag xmlns="" xmlns:m="http://schemas.openxmlformats.org/officeDocument/2006/math" xmlns:a14="http://schemas.microsoft.com/office/drawing/2010/main" xmlns:ma14="http://schemas.microsoft.com/office/mac/drawingml/2011/main" val="1"/>
             </a:ext>
           </a:extLst>
         </p:spPr>
@@ -12363,7 +12557,7 @@
           </a:ln>
           <a:extLst>
             <a:ext uri="{C572A759-6A51-4108-AA02-DFA0A04FC94B}">
-              <ma14:wrappingTextBoxFlag xmlns:ma14="http://schemas.microsoft.com/office/mac/drawingml/2011/main" xmlns:a14="http://schemas.microsoft.com/office/drawing/2010/main" xmlns:m="http://schemas.openxmlformats.org/officeDocument/2006/math" xmlns="" val="1"/>
+              <ma14:wrappingTextBoxFlag xmlns="" xmlns:m="http://schemas.openxmlformats.org/officeDocument/2006/math" xmlns:a14="http://schemas.microsoft.com/office/drawing/2010/main" xmlns:ma14="http://schemas.microsoft.com/office/mac/drawingml/2011/main" val="1"/>
             </a:ext>
           </a:extLst>
         </p:spPr>
@@ -12458,7 +12652,7 @@
           </a:ln>
           <a:extLst>
             <a:ext uri="{C572A759-6A51-4108-AA02-DFA0A04FC94B}">
-              <ma14:wrappingTextBoxFlag xmlns:ma14="http://schemas.microsoft.com/office/mac/drawingml/2011/main" xmlns:a14="http://schemas.microsoft.com/office/drawing/2010/main" xmlns:m="http://schemas.openxmlformats.org/officeDocument/2006/math" xmlns="" val="1"/>
+              <ma14:wrappingTextBoxFlag xmlns="" xmlns:m="http://schemas.openxmlformats.org/officeDocument/2006/math" xmlns:a14="http://schemas.microsoft.com/office/drawing/2010/main" xmlns:ma14="http://schemas.microsoft.com/office/mac/drawingml/2011/main" val="1"/>
             </a:ext>
           </a:extLst>
         </p:spPr>
@@ -12703,7 +12897,7 @@
           </a:ln>
           <a:extLst>
             <a:ext uri="{C572A759-6A51-4108-AA02-DFA0A04FC94B}">
-              <ma14:wrappingTextBoxFlag xmlns:ma14="http://schemas.microsoft.com/office/mac/drawingml/2011/main" xmlns:a14="http://schemas.microsoft.com/office/drawing/2010/main" xmlns:m="http://schemas.openxmlformats.org/officeDocument/2006/math" xmlns="" val="1"/>
+              <ma14:wrappingTextBoxFlag xmlns="" xmlns:m="http://schemas.openxmlformats.org/officeDocument/2006/math" xmlns:a14="http://schemas.microsoft.com/office/drawing/2010/main" xmlns:ma14="http://schemas.microsoft.com/office/mac/drawingml/2011/main" val="1"/>
             </a:ext>
           </a:extLst>
         </p:spPr>
@@ -12800,7 +12994,7 @@
               </a:ln>
               <a:extLst>
                 <a:ext uri="{C572A759-6A51-4108-AA02-DFA0A04FC94B}">
-                  <ma14:wrappingTextBoxFlag xmlns:ma14="http://schemas.microsoft.com/office/mac/drawingml/2011/main" xmlns:m="http://schemas.openxmlformats.org/officeDocument/2006/math" xmlns="" val="1"/>
+                  <ma14:wrappingTextBoxFlag xmlns="" xmlns:m="http://schemas.openxmlformats.org/officeDocument/2006/math" xmlns:ma14="http://schemas.microsoft.com/office/mac/drawingml/2011/main" val="1"/>
                 </a:ext>
               </a:extLst>
             </p:spPr>
@@ -13263,7 +13457,7 @@
           </a:ln>
           <a:extLst>
             <a:ext uri="{C572A759-6A51-4108-AA02-DFA0A04FC94B}">
-              <ma14:wrappingTextBoxFlag xmlns:ma14="http://schemas.microsoft.com/office/mac/drawingml/2011/main" xmlns:a14="http://schemas.microsoft.com/office/drawing/2010/main" xmlns:m="http://schemas.openxmlformats.org/officeDocument/2006/math" xmlns="" val="1"/>
+              <ma14:wrappingTextBoxFlag xmlns="" xmlns:m="http://schemas.openxmlformats.org/officeDocument/2006/math" xmlns:a14="http://schemas.microsoft.com/office/drawing/2010/main" xmlns:ma14="http://schemas.microsoft.com/office/mac/drawingml/2011/main" val="1"/>
             </a:ext>
           </a:extLst>
         </p:spPr>
@@ -14400,7 +14594,7 @@
               <a:pPr/>
               <a:t>38</a:t>
             </a:fld>
-            <a:endParaRPr lang="zh-CN" altLang="en-US" b="0" kern="1200">
+            <a:endParaRPr lang="zh-CN" altLang="en-US" b="0" kern="1200" dirty="0">
               <a:solidFill>
                 <a:prstClr val="black">
                   <a:tint val="75000"/>
@@ -17799,7 +17993,7 @@
                 <a:pPr marL="457200" indent="-457200">
                   <a:buAutoNum type="arabicPeriod"/>
                 </a:pPr>
-                <a:endParaRPr lang="en-US" altLang="zh-CN">
+                <a:endParaRPr lang="en-US" altLang="zh-CN" dirty="0">
                   <a:effectLst/>
                   <a:latin typeface="Calibri" panose="020F0502020204030204" pitchFamily="34" charset="0"/>
                   <a:ea typeface="SimHei" panose="02010609060101010101" pitchFamily="49" charset="-122"/>
@@ -17810,7 +18004,7 @@
                   <a:buAutoNum type="arabicPeriod"/>
                 </a:pPr>
                 <a:r>
-                  <a:rPr lang="zh-CN" altLang="en-US">
+                  <a:rPr lang="zh-CN" altLang="en-US" dirty="0">
                     <a:effectLst/>
                     <a:latin typeface="Calibri" panose="020F0502020204030204" pitchFamily="34" charset="0"/>
                     <a:ea typeface="SimHei" panose="02010609060101010101" pitchFamily="49" charset="-122"/>
@@ -17818,7 +18012,7 @@
                   <a:t>单调性：</a:t>
                 </a:r>
                 <a:r>
-                  <a:rPr lang="en-US" altLang="zh-CN">
+                  <a:rPr lang="en-US" altLang="zh-CN" dirty="0">
                     <a:effectLst/>
                     <a:latin typeface="Consolas" panose="020B0609020204030204" pitchFamily="49" charset="0"/>
                     <a:ea typeface="SimHei" panose="02010609060101010101" pitchFamily="49" charset="-122"/>
@@ -17827,7 +18021,7 @@
                   <a:t>a </a:t>
                 </a:r>
                 <a:r>
-                  <a:rPr lang="en-US" altLang="zh-CN">
+                  <a:rPr lang="en-US" altLang="zh-CN" dirty="0">
                     <a:solidFill>
                       <a:srgbClr val="FF0000"/>
                     </a:solidFill>
@@ -17839,7 +18033,7 @@
                   <a:t>&gt;=</a:t>
                 </a:r>
                 <a:r>
-                  <a:rPr lang="en-US" altLang="zh-CN">
+                  <a:rPr lang="en-US" altLang="zh-CN" dirty="0">
                     <a:effectLst/>
                     <a:latin typeface="Consolas" panose="020B0609020204030204" pitchFamily="49" charset="0"/>
                     <a:ea typeface="SimHei" panose="02010609060101010101" pitchFamily="49" charset="-122"/>
@@ -17861,7 +18055,7 @@
                   </m:oMath>
                 </a14:m>
                 <a:r>
-                  <a:rPr lang="en-US" altLang="zh-CN">
+                  <a:rPr lang="en-US" altLang="zh-CN" dirty="0">
                     <a:effectLst/>
                     <a:latin typeface="Consolas" panose="020B0609020204030204" pitchFamily="49" charset="0"/>
                     <a:ea typeface="SimHei" panose="02010609060101010101" pitchFamily="49" charset="-122"/>
@@ -17870,7 +18064,7 @@
                   <a:t> a+1 </a:t>
                 </a:r>
                 <a:r>
-                  <a:rPr lang="en-US" altLang="zh-CN">
+                  <a:rPr lang="en-US" altLang="zh-CN" dirty="0">
                     <a:solidFill>
                       <a:srgbClr val="FF0000"/>
                     </a:solidFill>
@@ -17882,7 +18076,7 @@
                   <a:t>&gt;=</a:t>
                 </a:r>
                 <a:r>
-                  <a:rPr lang="en-US" altLang="zh-CN">
+                  <a:rPr lang="en-US" altLang="zh-CN" dirty="0">
                     <a:effectLst/>
                     <a:latin typeface="Consolas" panose="020B0609020204030204" pitchFamily="49" charset="0"/>
                     <a:ea typeface="SimHei" panose="02010609060101010101" pitchFamily="49" charset="-122"/>
@@ -17890,7 +18084,7 @@
                   </a:rPr>
                   <a:t> b+1</a:t>
                 </a:r>
-                <a:endParaRPr lang="en-US" altLang="zh-CN">
+                <a:endParaRPr lang="en-US" altLang="zh-CN" dirty="0">
                   <a:effectLst/>
                   <a:latin typeface="Calibri" panose="020F0502020204030204" pitchFamily="34" charset="0"/>
                   <a:ea typeface="SimHei" panose="02010609060101010101" pitchFamily="49" charset="-122"/>
@@ -17902,7 +18096,7 @@
                   <a:buAutoNum type="arabicPeriod"/>
                 </a:pPr>
                 <a:r>
-                  <a:rPr lang="zh-CN" altLang="en-US">
+                  <a:rPr lang="zh-CN" altLang="en-US" dirty="0">
                     <a:effectLst/>
                     <a:latin typeface="Calibri" panose="020F0502020204030204" pitchFamily="34" charset="0"/>
                     <a:ea typeface="SimHei" panose="02010609060101010101" pitchFamily="49" charset="-122"/>
@@ -17910,13 +18104,22 @@
                   <a:t>考虑 </a:t>
                 </a:r>
                 <a:r>
-                  <a:rPr lang="en-US" altLang="zh-CN">
+                  <a:rPr lang="en-US" altLang="zh-CN" dirty="0">
                     <a:effectLst/>
                     <a:latin typeface="Consolas" panose="020B0609020204030204" pitchFamily="49" charset="0"/>
                     <a:ea typeface="SimHei" panose="02010609060101010101" pitchFamily="49" charset="-122"/>
                     <a:cs typeface="Consolas" panose="020B0609020204030204" pitchFamily="49" charset="0"/>
                   </a:rPr>
-                  <a:t>INF / NaN</a:t>
+                  <a:t>INF / </a:t>
+                </a:r>
+                <a:r>
+                  <a:rPr lang="en-US" altLang="zh-CN" dirty="0" err="1">
+                    <a:effectLst/>
+                    <a:latin typeface="Consolas" panose="020B0609020204030204" pitchFamily="49" charset="0"/>
+                    <a:ea typeface="SimHei" panose="02010609060101010101" pitchFamily="49" charset="-122"/>
+                    <a:cs typeface="Consolas" panose="020B0609020204030204" pitchFamily="49" charset="0"/>
+                  </a:rPr>
+                  <a:t>NaN</a:t>
                 </a:r>
                 <a:endParaRPr lang="zh-CN" altLang="en-US" dirty="0">
                   <a:solidFill>
@@ -18082,8 +18285,8 @@
           </a:p>
         </p:txBody>
       </p:sp>
-      <mc:AlternateContent xmlns:mc="http://schemas.openxmlformats.org/markup-compatibility/2006" xmlns:a14="http://schemas.microsoft.com/office/drawing/2010/main">
-        <mc:Choice Requires="a14">
+      <mc:AlternateContent xmlns:mc="http://schemas.openxmlformats.org/markup-compatibility/2006">
+        <mc:Choice xmlns:a14="http://schemas.microsoft.com/office/drawing/2010/main" Requires="a14">
           <p:sp>
             <p:nvSpPr>
               <p:cNvPr id="3" name="内容占位符 2">
@@ -18313,7 +18516,7 @@
                     <a:latin typeface="Consolas" panose="020B0609020204030204" pitchFamily="49" charset="0"/>
                     <a:cs typeface="Consolas" panose="020B0609020204030204" pitchFamily="49" charset="0"/>
                   </a:rPr>
-                  <a:t>double pi = 0.0; int k; </a:t>
+                  <a:t>  double pi = 0.0; int k; </a:t>
                 </a:r>
               </a:p>
               <a:p>
@@ -18325,7 +18528,7 @@
                     <a:latin typeface="Consolas" panose="020B0609020204030204" pitchFamily="49" charset="0"/>
                     <a:cs typeface="Consolas" panose="020B0609020204030204" pitchFamily="49" charset="0"/>
                   </a:rPr>
-                  <a:t>for (k = 0; k &gt;= 0; ++k) </a:t>
+                  <a:t>  for (k = 0; k &gt;= 0; ++k) </a:t>
                 </a:r>
               </a:p>
               <a:p>
@@ -18337,7 +18540,7 @@
                     <a:latin typeface="Consolas" panose="020B0609020204030204" pitchFamily="49" charset="0"/>
                     <a:cs typeface="Consolas" panose="020B0609020204030204" pitchFamily="49" charset="0"/>
                   </a:rPr>
-                  <a:t>  pi += (k &amp; 1 ? -1 : 1) / (double)(2 * k + 1); </a:t>
+                  <a:t>    pi += (k &amp; 1 ? -1 : 1) / (double)(2 * k + 1); </a:t>
                 </a:r>
               </a:p>
               <a:p>
@@ -18390,7 +18593,7 @@
             </p:txBody>
           </p:sp>
         </mc:Choice>
-        <mc:Fallback xmlns="">
+        <mc:Fallback>
           <p:sp>
             <p:nvSpPr>
               <p:cNvPr id="3" name="内容占位符 2">
@@ -18411,7 +18614,7 @@
               <a:blipFill>
                 <a:blip r:embed="rId2"/>
                 <a:stretch>
-                  <a:fillRect l="-1206" t="-3198" b="-3198"/>
+                  <a:fillRect l="-1217" t="-3221" b="-3361"/>
                 </a:stretch>
               </a:blipFill>
             </p:spPr>
@@ -18420,7 +18623,7 @@
               <a:lstStyle/>
               <a:p>
                 <a:r>
-                  <a:rPr lang="en-US">
+                  <a:rPr lang="zh-CN" altLang="en-US">
                     <a:noFill/>
                   </a:rPr>
                   <a:t> </a:t>
@@ -20625,7 +20828,7 @@
           </a:ln>
           <a:extLst>
             <a:ext uri="{C572A759-6A51-4108-AA02-DFA0A04FC94B}">
-              <ma14:wrappingTextBoxFlag xmlns:ma14="http://schemas.microsoft.com/office/mac/drawingml/2011/main" xmlns:a14="http://schemas.microsoft.com/office/drawing/2010/main" xmlns:m="http://schemas.openxmlformats.org/officeDocument/2006/math" xmlns="" val="1"/>
+              <ma14:wrappingTextBoxFlag xmlns="" xmlns:m="http://schemas.openxmlformats.org/officeDocument/2006/math" xmlns:a14="http://schemas.microsoft.com/office/drawing/2010/main" xmlns:ma14="http://schemas.microsoft.com/office/mac/drawingml/2011/main" val="1"/>
             </a:ext>
           </a:extLst>
         </p:spPr>
@@ -20814,7 +21017,7 @@
           </a:ln>
           <a:extLst>
             <a:ext uri="{C572A759-6A51-4108-AA02-DFA0A04FC94B}">
-              <ma14:wrappingTextBoxFlag xmlns:ma14="http://schemas.microsoft.com/office/mac/drawingml/2011/main" xmlns:a14="http://schemas.microsoft.com/office/drawing/2010/main" xmlns:m="http://schemas.openxmlformats.org/officeDocument/2006/math" xmlns="" val="1"/>
+              <ma14:wrappingTextBoxFlag xmlns="" xmlns:m="http://schemas.openxmlformats.org/officeDocument/2006/math" xmlns:a14="http://schemas.microsoft.com/office/drawing/2010/main" xmlns:ma14="http://schemas.microsoft.com/office/mac/drawingml/2011/main" val="1"/>
             </a:ext>
           </a:extLst>
         </p:spPr>
@@ -20954,7 +21157,7 @@
           </a:ln>
           <a:extLst>
             <a:ext uri="{C572A759-6A51-4108-AA02-DFA0A04FC94B}">
-              <ma14:wrappingTextBoxFlag xmlns:ma14="http://schemas.microsoft.com/office/mac/drawingml/2011/main" xmlns:a14="http://schemas.microsoft.com/office/drawing/2010/main" xmlns:m="http://schemas.openxmlformats.org/officeDocument/2006/math" xmlns="" val="1"/>
+              <ma14:wrappingTextBoxFlag xmlns="" xmlns:m="http://schemas.openxmlformats.org/officeDocument/2006/math" xmlns:a14="http://schemas.microsoft.com/office/drawing/2010/main" xmlns:ma14="http://schemas.microsoft.com/office/mac/drawingml/2011/main" val="1"/>
             </a:ext>
           </a:extLst>
         </p:spPr>
@@ -20982,7 +21185,7 @@
               </a:defRPr>
             </a:pPr>
             <a:r>
-              <a:rPr lang="en-US" altLang="zh-CN" sz="2500">
+              <a:rPr lang="en-US" altLang="zh-CN" sz="2500" dirty="0">
                 <a:latin typeface="Consolas" panose="020B0609020204030204" pitchFamily="49" charset="0"/>
                 <a:ea typeface="DengXian" panose="02010600030101010101" pitchFamily="2" charset="-122"/>
                 <a:cs typeface="Consolas" panose="020B0609020204030204" pitchFamily="49" charset="0"/>
@@ -20990,14 +21193,14 @@
               <a:t>int </a:t>
             </a:r>
             <a:r>
-              <a:rPr lang="zh-CN" altLang="en-US" sz="2500">
+              <a:rPr lang="zh-CN" altLang="en-US" sz="2500" dirty="0">
                 <a:latin typeface="Consolas" panose="020B0609020204030204" pitchFamily="49" charset="0"/>
                 <a:ea typeface="DengXian" panose="02010600030101010101" pitchFamily="2" charset="-122"/>
                 <a:cs typeface="Consolas" panose="020B0609020204030204" pitchFamily="49" charset="0"/>
               </a:rPr>
               <a:t>及以上，存在一系列按等级排列的类型</a:t>
             </a:r>
-            <a:endParaRPr lang="en-US" altLang="zh-CN" sz="2500">
+            <a:endParaRPr lang="en-US" altLang="zh-CN" sz="2500" dirty="0">
               <a:latin typeface="Consolas" panose="020B0609020204030204" pitchFamily="49" charset="0"/>
               <a:ea typeface="DengXian" panose="02010600030101010101" pitchFamily="2" charset="-122"/>
               <a:cs typeface="Consolas" panose="020B0609020204030204" pitchFamily="49" charset="0"/>
@@ -21022,14 +21225,14 @@
               </a:defRPr>
             </a:pPr>
             <a:r>
-              <a:rPr lang="zh-CN" altLang="en-US" sz="2500">
+              <a:rPr lang="zh-CN" altLang="en-US" sz="2500" dirty="0">
                 <a:latin typeface="Consolas" panose="020B0609020204030204" pitchFamily="49" charset="0"/>
                 <a:ea typeface="DengXian" panose="02010600030101010101" pitchFamily="2" charset="-122"/>
                 <a:cs typeface="Consolas" panose="020B0609020204030204" pitchFamily="49" charset="0"/>
               </a:rPr>
               <a:t>对表达式中的常数，依次检验各等级类型是否能放下</a:t>
             </a:r>
-            <a:endParaRPr lang="en-US" altLang="zh-CN" sz="2500">
+            <a:endParaRPr lang="en-US" altLang="zh-CN" sz="2500" dirty="0">
               <a:latin typeface="Consolas" panose="020B0609020204030204" pitchFamily="49" charset="0"/>
               <a:ea typeface="DengXian" panose="02010600030101010101" pitchFamily="2" charset="-122"/>
               <a:cs typeface="Consolas" panose="020B0609020204030204" pitchFamily="49" charset="0"/>
@@ -21054,14 +21257,14 @@
               </a:defRPr>
             </a:pPr>
             <a:r>
-              <a:rPr lang="zh-CN" altLang="en-US" sz="2500">
+              <a:rPr lang="zh-CN" altLang="en-US" sz="2500" dirty="0">
                 <a:latin typeface="Consolas" panose="020B0609020204030204" pitchFamily="49" charset="0"/>
                 <a:ea typeface="DengXian" panose="02010600030101010101" pitchFamily="2" charset="-122"/>
                 <a:cs typeface="Consolas" panose="020B0609020204030204" pitchFamily="49" charset="0"/>
               </a:rPr>
               <a:t>符号看作对常数做的一元运算</a:t>
             </a:r>
-            <a:endParaRPr lang="en-US" altLang="zh-CN" sz="2500">
+            <a:endParaRPr lang="en-US" altLang="zh-CN" sz="2500" dirty="0">
               <a:latin typeface="Consolas" panose="020B0609020204030204" pitchFamily="49" charset="0"/>
               <a:ea typeface="DengXian" panose="02010600030101010101" pitchFamily="2" charset="-122"/>
               <a:cs typeface="Consolas" panose="020B0609020204030204" pitchFamily="49" charset="0"/>
@@ -21086,14 +21289,14 @@
               </a:defRPr>
             </a:pPr>
             <a:r>
-              <a:rPr lang="zh-CN" altLang="en-US" sz="2500">
+              <a:rPr lang="zh-CN" altLang="en-US" sz="2500" dirty="0">
                 <a:latin typeface="Consolas" panose="020B0609020204030204" pitchFamily="49" charset="0"/>
                 <a:ea typeface="DengXian" panose="02010600030101010101" pitchFamily="2" charset="-122"/>
                 <a:cs typeface="Consolas" panose="020B0609020204030204" pitchFamily="49" charset="0"/>
               </a:rPr>
               <a:t>类型等级为</a:t>
             </a:r>
-            <a:endParaRPr lang="en-US" altLang="zh-CN" sz="2500">
+            <a:endParaRPr lang="en-US" altLang="zh-CN" sz="2500" dirty="0">
               <a:latin typeface="Consolas" panose="020B0609020204030204" pitchFamily="49" charset="0"/>
               <a:ea typeface="DengXian" panose="02010600030101010101" pitchFamily="2" charset="-122"/>
               <a:cs typeface="Consolas" panose="020B0609020204030204" pitchFamily="49" charset="0"/>
@@ -21116,14 +21319,30 @@
               </a:defRPr>
             </a:pPr>
             <a:r>
-              <a:rPr lang="en-US" altLang="zh-CN" sz="2500">
-                <a:latin typeface="Consolas" panose="020B0609020204030204" pitchFamily="49" charset="0"/>
-                <a:ea typeface="DengXian" panose="02010600030101010101" pitchFamily="2" charset="-122"/>
-                <a:cs typeface="Consolas" panose="020B0609020204030204" pitchFamily="49" charset="0"/>
-              </a:rPr>
-              <a:t>int -&gt; unsigned -&gt; long -&gt; unsigned long -&gt; long long (C90)</a:t>
-            </a:r>
-            <a:endParaRPr lang="zh-CN" altLang="en-US" sz="2500">
+              <a:rPr lang="en-US" altLang="zh-CN" sz="2500" dirty="0">
+                <a:latin typeface="Consolas" panose="020B0609020204030204" pitchFamily="49" charset="0"/>
+                <a:ea typeface="DengXian" panose="02010600030101010101" pitchFamily="2" charset="-122"/>
+                <a:cs typeface="Consolas" panose="020B0609020204030204" pitchFamily="49" charset="0"/>
+              </a:rPr>
+              <a:t>int -&gt; unsigned -&gt; long -&gt; unsigned long -&gt; long </a:t>
+            </a:r>
+            <a:r>
+              <a:rPr lang="en-US" altLang="zh-CN" sz="2500" dirty="0" err="1">
+                <a:latin typeface="Consolas" panose="020B0609020204030204" pitchFamily="49" charset="0"/>
+                <a:ea typeface="DengXian" panose="02010600030101010101" pitchFamily="2" charset="-122"/>
+                <a:cs typeface="Consolas" panose="020B0609020204030204" pitchFamily="49" charset="0"/>
+              </a:rPr>
+              <a:t>long</a:t>
+            </a:r>
+            <a:r>
+              <a:rPr lang="en-US" altLang="zh-CN" sz="2500" dirty="0">
+                <a:latin typeface="Consolas" panose="020B0609020204030204" pitchFamily="49" charset="0"/>
+                <a:ea typeface="DengXian" panose="02010600030101010101" pitchFamily="2" charset="-122"/>
+                <a:cs typeface="Consolas" panose="020B0609020204030204" pitchFamily="49" charset="0"/>
+              </a:rPr>
+              <a:t> (C90)</a:t>
+            </a:r>
+            <a:endParaRPr lang="zh-CN" altLang="en-US" sz="2500" dirty="0">
               <a:latin typeface="Consolas" panose="020B0609020204030204" pitchFamily="49" charset="0"/>
               <a:ea typeface="DengXian" panose="02010600030101010101" pitchFamily="2" charset="-122"/>
               <a:cs typeface="Consolas" panose="020B0609020204030204" pitchFamily="49" charset="0"/>
@@ -21146,14 +21365,30 @@
               </a:defRPr>
             </a:pPr>
             <a:r>
-              <a:rPr lang="en-US" altLang="zh-CN" sz="2500">
-                <a:latin typeface="Consolas" panose="020B0609020204030204" pitchFamily="49" charset="0"/>
-                <a:ea typeface="DengXian" panose="02010600030101010101" pitchFamily="2" charset="-122"/>
-                <a:cs typeface="Consolas" panose="020B0609020204030204" pitchFamily="49" charset="0"/>
-              </a:rPr>
-              <a:t>int -&gt; long -&gt; long long (C99+)</a:t>
-            </a:r>
-            <a:endParaRPr lang="zh-CN" altLang="en-US" sz="2500">
+              <a:rPr lang="en-US" altLang="zh-CN" sz="2500" dirty="0">
+                <a:latin typeface="Consolas" panose="020B0609020204030204" pitchFamily="49" charset="0"/>
+                <a:ea typeface="DengXian" panose="02010600030101010101" pitchFamily="2" charset="-122"/>
+                <a:cs typeface="Consolas" panose="020B0609020204030204" pitchFamily="49" charset="0"/>
+              </a:rPr>
+              <a:t>int -&gt; long -&gt; long </a:t>
+            </a:r>
+            <a:r>
+              <a:rPr lang="en-US" altLang="zh-CN" sz="2500" dirty="0" err="1">
+                <a:latin typeface="Consolas" panose="020B0609020204030204" pitchFamily="49" charset="0"/>
+                <a:ea typeface="DengXian" panose="02010600030101010101" pitchFamily="2" charset="-122"/>
+                <a:cs typeface="Consolas" panose="020B0609020204030204" pitchFamily="49" charset="0"/>
+              </a:rPr>
+              <a:t>long</a:t>
+            </a:r>
+            <a:r>
+              <a:rPr lang="en-US" altLang="zh-CN" sz="2500" dirty="0">
+                <a:latin typeface="Consolas" panose="020B0609020204030204" pitchFamily="49" charset="0"/>
+                <a:ea typeface="DengXian" panose="02010600030101010101" pitchFamily="2" charset="-122"/>
+                <a:cs typeface="Consolas" panose="020B0609020204030204" pitchFamily="49" charset="0"/>
+              </a:rPr>
+              <a:t> (C99+)</a:t>
+            </a:r>
+            <a:endParaRPr lang="zh-CN" altLang="en-US" sz="2500" dirty="0">
               <a:latin typeface="Consolas" panose="020B0609020204030204" pitchFamily="49" charset="0"/>
               <a:ea typeface="DengXian" panose="02010600030101010101" pitchFamily="2" charset="-122"/>
               <a:cs typeface="Consolas" panose="020B0609020204030204" pitchFamily="49" charset="0"/>
@@ -21175,7 +21410,7 @@
                 <a:sym typeface="Calibri Light"/>
               </a:defRPr>
             </a:pPr>
-            <a:endParaRPr lang="zh-CN" altLang="en-US" sz="2500">
+            <a:endParaRPr lang="zh-CN" altLang="en-US" sz="2500" dirty="0">
               <a:latin typeface="Consolas" panose="020B0609020204030204" pitchFamily="49" charset="0"/>
               <a:ea typeface="DengXian" panose="02010600030101010101" pitchFamily="2" charset="-122"/>
               <a:cs typeface="Consolas" panose="020B0609020204030204" pitchFamily="49" charset="0"/>
@@ -21197,7 +21432,7 @@
                 <a:sym typeface="Calibri Light"/>
               </a:defRPr>
             </a:pPr>
-            <a:endParaRPr lang="en-US" altLang="zh-CN" sz="2500">
+            <a:endParaRPr lang="en-US" altLang="zh-CN" sz="2500" dirty="0">
               <a:latin typeface="Consolas" panose="020B0609020204030204" pitchFamily="49" charset="0"/>
               <a:ea typeface="DengXian" panose="02010600030101010101" pitchFamily="2" charset="-122"/>
               <a:cs typeface="Consolas" panose="020B0609020204030204" pitchFamily="49" charset="0"/>
@@ -21221,7 +21456,7 @@
                 <a:sym typeface="Calibri Light"/>
               </a:defRPr>
             </a:pPr>
-            <a:endParaRPr lang="en-US" altLang="zh-CN" sz="2500">
+            <a:endParaRPr lang="en-US" altLang="zh-CN" sz="2500" dirty="0">
               <a:latin typeface="Consolas" panose="020B0609020204030204" pitchFamily="49" charset="0"/>
               <a:ea typeface="DengXian" panose="02010600030101010101" pitchFamily="2" charset="-122"/>
               <a:cs typeface="Consolas" panose="020B0609020204030204" pitchFamily="49" charset="0"/>
@@ -21248,7 +21483,7 @@
           </a:ln>
           <a:extLst>
             <a:ext uri="{C572A759-6A51-4108-AA02-DFA0A04FC94B}">
-              <ma14:wrappingTextBoxFlag xmlns:ma14="http://schemas.microsoft.com/office/mac/drawingml/2011/main" xmlns:a14="http://schemas.microsoft.com/office/drawing/2010/main" xmlns:m="http://schemas.openxmlformats.org/officeDocument/2006/math" xmlns="" val="1"/>
+              <ma14:wrappingTextBoxFlag xmlns="" xmlns:m="http://schemas.openxmlformats.org/officeDocument/2006/math" xmlns:a14="http://schemas.microsoft.com/office/drawing/2010/main" xmlns:ma14="http://schemas.microsoft.com/office/mac/drawingml/2011/main" val="1"/>
             </a:ext>
           </a:extLst>
         </p:spPr>
@@ -21403,7 +21638,7 @@
           </a:ln>
           <a:extLst>
             <a:ext uri="{C572A759-6A51-4108-AA02-DFA0A04FC94B}">
-              <ma14:wrappingTextBoxFlag xmlns:ma14="http://schemas.microsoft.com/office/mac/drawingml/2011/main" xmlns:a14="http://schemas.microsoft.com/office/drawing/2010/main" xmlns:m="http://schemas.openxmlformats.org/officeDocument/2006/math" xmlns="" val="1"/>
+              <ma14:wrappingTextBoxFlag xmlns="" xmlns:m="http://schemas.openxmlformats.org/officeDocument/2006/math" xmlns:a14="http://schemas.microsoft.com/office/drawing/2010/main" xmlns:ma14="http://schemas.microsoft.com/office/mac/drawingml/2011/main" val="1"/>
             </a:ext>
           </a:extLst>
         </p:spPr>
@@ -21428,7 +21663,7 @@
               </a:defRPr>
             </a:pPr>
             <a:r>
-              <a:rPr lang="en-US" sz="3000">
+              <a:rPr lang="en-US" sz="3000" dirty="0">
                 <a:solidFill>
                   <a:srgbClr val="FF0000"/>
                 </a:solidFill>
@@ -21438,7 +21673,7 @@
               </a:rPr>
               <a:t>B</a:t>
             </a:r>
-            <a:endParaRPr sz="3000">
+            <a:endParaRPr sz="3000" dirty="0">
               <a:solidFill>
                 <a:srgbClr val="FF0000"/>
               </a:solidFill>
